--- a/AED FINAL PROJECT.pptx
+++ b/AED FINAL PROJECT.pptx
@@ -15,16 +15,26 @@
     <p:sldId id="260" r:id="rId9"/>
     <p:sldId id="261" r:id="rId10"/>
     <p:sldId id="262" r:id="rId11"/>
+    <p:sldId id="263" r:id="rId12"/>
+    <p:sldId id="264" r:id="rId13"/>
+    <p:sldId id="265" r:id="rId14"/>
   </p:sldIdLst>
   <p:sldSz cy="6858000" cx="12192000"/>
   <p:notesSz cx="6858000" cy="9144000"/>
   <p:embeddedFontLst>
     <p:embeddedFont>
+      <p:font typeface="Lora"/>
+      <p:regular r:id="rId15"/>
+      <p:bold r:id="rId16"/>
+      <p:italic r:id="rId17"/>
+      <p:boldItalic r:id="rId18"/>
+    </p:embeddedFont>
+    <p:embeddedFont>
       <p:font typeface="Century Gothic"/>
-      <p:regular r:id="rId12"/>
-      <p:bold r:id="rId13"/>
-      <p:italic r:id="rId14"/>
-      <p:boldItalic r:id="rId15"/>
+      <p:regular r:id="rId19"/>
+      <p:bold r:id="rId20"/>
+      <p:italic r:id="rId21"/>
+      <p:boldItalic r:id="rId22"/>
     </p:embeddedFont>
   </p:embeddedFontLst>
   <p:defaultTextStyle>
@@ -258,7 +268,7 @@
   </p:defaultTextStyle>
   <p:extLst>
     <p:ext uri="http://customooxmlschemas.google.com/">
-      <go:slidesCustomData xmlns:go="http://customooxmlschemas.google.com/" r:id="rId16" roundtripDataSignature="AMtx7mg+Vst7CeI4u2abQDJwmgzBSteXHw=="/>
+      <go:slidesCustomData xmlns:go="http://customooxmlschemas.google.com/" r:id="rId23" roundtripDataSignature="AMtx7mioSPayBaa5jMOCXwnU1E/e1IxmLw=="/>
     </p:ext>
   </p:extLst>
 </p:presentation>
@@ -789,12 +799,12 @@
 </p:notes>
 </file>
 
-<file path=ppt/notesSlides/notesSlide2.xml><?xml version="1.0" encoding="utf-8"?>
+<file path=ppt/notesSlides/notesSlide10.xml><?xml version="1.0" encoding="utf-8"?>
 <p:notes xmlns:a="http://schemas.openxmlformats.org/drawingml/2006/main" xmlns:r="http://schemas.openxmlformats.org/officeDocument/2006/relationships" xmlns:mc="http://schemas.openxmlformats.org/markup-compatibility/2006" xmlns:mv="urn:schemas-microsoft-com:mac:vml" xmlns:p="http://schemas.openxmlformats.org/presentationml/2006/main" xmlns:c="http://schemas.openxmlformats.org/drawingml/2006/chart" xmlns:dgm="http://schemas.openxmlformats.org/drawingml/2006/diagram" xmlns:o="urn:schemas-microsoft-com:office:office" xmlns:v="urn:schemas-microsoft-com:vml" xmlns:pvml="urn:schemas-microsoft-com:office:powerpoint" xmlns:com="http://schemas.openxmlformats.org/drawingml/2006/compatibility" xmlns:p14="http://schemas.microsoft.com/office/powerpoint/2010/main" xmlns:p15="http://schemas.microsoft.com/office/powerpoint/2012/main" showMasterPhAnim="0" showMasterSp="0">
   <p:cSld>
     <p:spTree>
       <p:nvGrpSpPr>
-        <p:cNvPr id="152" name="Shape 152"/>
+        <p:cNvPr id="202" name="Shape 202"/>
         <p:cNvGrpSpPr/>
         <p:nvPr/>
       </p:nvGrpSpPr>
@@ -808,7 +818,7 @@
       </p:grpSpPr>
       <p:sp>
         <p:nvSpPr>
-          <p:cNvPr id="153" name="Google Shape;153;g74909c0039_0_0:notes"/>
+          <p:cNvPr id="203" name="Google Shape;203;g74909c0039_1_3593:notes"/>
           <p:cNvSpPr/>
           <p:nvPr>
             <p:ph idx="2" type="sldImg"/>
@@ -843,7 +853,106 @@
       </p:sp>
       <p:sp>
         <p:nvSpPr>
-          <p:cNvPr id="154" name="Google Shape;154;g74909c0039_0_0:notes"/>
+          <p:cNvPr id="204" name="Google Shape;204;g74909c0039_1_3593:notes"/>
+          <p:cNvSpPr txBox="1"/>
+          <p:nvPr>
+            <p:ph idx="1" type="body"/>
+          </p:nvPr>
+        </p:nvSpPr>
+        <p:spPr>
+          <a:xfrm>
+            <a:off x="685800" y="4343400"/>
+            <a:ext cx="5486400" cy="4114800"/>
+          </a:xfrm>
+          <a:prstGeom prst="rect">
+            <a:avLst/>
+          </a:prstGeom>
+        </p:spPr>
+        <p:txBody>
+          <a:bodyPr anchorCtr="0" anchor="t" bIns="91425" lIns="91425" spcFirstLastPara="1" rIns="91425" wrap="square" tIns="91425">
+            <a:noAutofit/>
+          </a:bodyPr>
+          <a:lstStyle/>
+          <a:p>
+            <a:pPr indent="0" lvl="0" marL="0" rtl="0" algn="l">
+              <a:spcBef>
+                <a:spcPts val="0"/>
+              </a:spcBef>
+              <a:spcAft>
+                <a:spcPts val="0"/>
+              </a:spcAft>
+              <a:buNone/>
+            </a:pPr>
+            <a:r>
+              <a:t/>
+            </a:r>
+            <a:endParaRPr/>
+          </a:p>
+        </p:txBody>
+      </p:sp>
+    </p:spTree>
+  </p:cSld>
+  <p:clrMapOvr>
+    <a:masterClrMapping/>
+  </p:clrMapOvr>
+</p:notes>
+</file>
+
+<file path=ppt/notesSlides/notesSlide2.xml><?xml version="1.0" encoding="utf-8"?>
+<p:notes xmlns:a="http://schemas.openxmlformats.org/drawingml/2006/main" xmlns:r="http://schemas.openxmlformats.org/officeDocument/2006/relationships" xmlns:mc="http://schemas.openxmlformats.org/markup-compatibility/2006" xmlns:mv="urn:schemas-microsoft-com:mac:vml" xmlns:p="http://schemas.openxmlformats.org/presentationml/2006/main" xmlns:c="http://schemas.openxmlformats.org/drawingml/2006/chart" xmlns:dgm="http://schemas.openxmlformats.org/drawingml/2006/diagram" xmlns:o="urn:schemas-microsoft-com:office:office" xmlns:v="urn:schemas-microsoft-com:vml" xmlns:pvml="urn:schemas-microsoft-com:office:powerpoint" xmlns:com="http://schemas.openxmlformats.org/drawingml/2006/compatibility" xmlns:p14="http://schemas.microsoft.com/office/powerpoint/2010/main" xmlns:p15="http://schemas.microsoft.com/office/powerpoint/2012/main" showMasterPhAnim="0" showMasterSp="0">
+  <p:cSld>
+    <p:spTree>
+      <p:nvGrpSpPr>
+        <p:cNvPr id="152" name="Shape 152"/>
+        <p:cNvGrpSpPr/>
+        <p:nvPr/>
+      </p:nvGrpSpPr>
+      <p:grpSpPr>
+        <a:xfrm>
+          <a:off x="0" y="0"/>
+          <a:ext cx="0" cy="0"/>
+          <a:chOff x="0" y="0"/>
+          <a:chExt cx="0" cy="0"/>
+        </a:xfrm>
+      </p:grpSpPr>
+      <p:sp>
+        <p:nvSpPr>
+          <p:cNvPr id="153" name="Google Shape;153;g74909c0039_1_1044:notes"/>
+          <p:cNvSpPr/>
+          <p:nvPr>
+            <p:ph idx="2" type="sldImg"/>
+          </p:nvPr>
+        </p:nvSpPr>
+        <p:spPr>
+          <a:xfrm>
+            <a:off x="1143225" y="685800"/>
+            <a:ext cx="4572300" cy="3429000"/>
+          </a:xfrm>
+          <a:custGeom>
+            <a:rect b="b" l="l" r="r" t="t"/>
+            <a:pathLst>
+              <a:path extrusionOk="0" h="120000" w="120000">
+                <a:moveTo>
+                  <a:pt x="0" y="0"/>
+                </a:moveTo>
+                <a:lnTo>
+                  <a:pt x="120000" y="0"/>
+                </a:lnTo>
+                <a:lnTo>
+                  <a:pt x="120000" y="120000"/>
+                </a:lnTo>
+                <a:lnTo>
+                  <a:pt x="0" y="120000"/>
+                </a:lnTo>
+                <a:close/>
+              </a:path>
+            </a:pathLst>
+          </a:custGeom>
+        </p:spPr>
+      </p:sp>
+      <p:sp>
+        <p:nvSpPr>
+          <p:cNvPr id="154" name="Google Shape;154;g74909c0039_1_1044:notes"/>
           <p:cNvSpPr txBox="1"/>
           <p:nvPr>
             <p:ph idx="1" type="body"/>
@@ -907,7 +1016,7 @@
       </p:grpSpPr>
       <p:sp>
         <p:nvSpPr>
-          <p:cNvPr id="159" name="Google Shape;159;g74909c0039_0_117:notes"/>
+          <p:cNvPr id="159" name="Google Shape;159;g74909c0039_0_0:notes"/>
           <p:cNvSpPr/>
           <p:nvPr>
             <p:ph idx="2" type="sldImg"/>
@@ -942,7 +1051,7 @@
       </p:sp>
       <p:sp>
         <p:nvSpPr>
-          <p:cNvPr id="160" name="Google Shape;160;g74909c0039_0_117:notes"/>
+          <p:cNvPr id="160" name="Google Shape;160;g74909c0039_0_0:notes"/>
           <p:cNvSpPr txBox="1"/>
           <p:nvPr>
             <p:ph idx="1" type="body"/>
@@ -1006,7 +1115,7 @@
       </p:grpSpPr>
       <p:sp>
         <p:nvSpPr>
-          <p:cNvPr id="165" name="Google Shape;165;g74909c0039_1_159:notes"/>
+          <p:cNvPr id="165" name="Google Shape;165;g74909c0039_0_117:notes"/>
           <p:cNvSpPr/>
           <p:nvPr>
             <p:ph idx="2" type="sldImg"/>
@@ -1041,7 +1150,7 @@
       </p:sp>
       <p:sp>
         <p:nvSpPr>
-          <p:cNvPr id="166" name="Google Shape;166;g74909c0039_1_159:notes"/>
+          <p:cNvPr id="166" name="Google Shape;166;g74909c0039_0_117:notes"/>
           <p:cNvSpPr txBox="1"/>
           <p:nvPr>
             <p:ph idx="1" type="body"/>
@@ -1091,7 +1200,7 @@
   <p:cSld>
     <p:spTree>
       <p:nvGrpSpPr>
-        <p:cNvPr id="170" name="Shape 170"/>
+        <p:cNvPr id="172" name="Shape 172"/>
         <p:cNvGrpSpPr/>
         <p:nvPr/>
       </p:nvGrpSpPr>
@@ -1105,7 +1214,7 @@
       </p:grpSpPr>
       <p:sp>
         <p:nvSpPr>
-          <p:cNvPr id="171" name="Google Shape;171;g74909c0039_1_213:notes"/>
+          <p:cNvPr id="173" name="Google Shape;173;g74909c0039_1_3228:notes"/>
           <p:cNvSpPr/>
           <p:nvPr>
             <p:ph idx="2" type="sldImg"/>
@@ -1140,7 +1249,7 @@
       </p:sp>
       <p:sp>
         <p:nvSpPr>
-          <p:cNvPr id="172" name="Google Shape;172;g74909c0039_1_213:notes"/>
+          <p:cNvPr id="174" name="Google Shape;174;g74909c0039_1_3228:notes"/>
           <p:cNvSpPr txBox="1"/>
           <p:nvPr>
             <p:ph idx="1" type="body"/>
@@ -1190,7 +1299,7 @@
   <p:cSld>
     <p:spTree>
       <p:nvGrpSpPr>
-        <p:cNvPr id="176" name="Shape 176"/>
+        <p:cNvPr id="178" name="Shape 178"/>
         <p:cNvGrpSpPr/>
         <p:nvPr/>
       </p:nvGrpSpPr>
@@ -1204,7 +1313,7 @@
       </p:grpSpPr>
       <p:sp>
         <p:nvSpPr>
-          <p:cNvPr id="177" name="Google Shape;177;g74909c0039_1_256:notes"/>
+          <p:cNvPr id="179" name="Google Shape;179;g74909c0039_1_298:notes"/>
           <p:cNvSpPr/>
           <p:nvPr>
             <p:ph idx="2" type="sldImg"/>
@@ -1239,7 +1348,7 @@
       </p:sp>
       <p:sp>
         <p:nvSpPr>
-          <p:cNvPr id="178" name="Google Shape;178;g74909c0039_1_256:notes"/>
+          <p:cNvPr id="180" name="Google Shape;180;g74909c0039_1_298:notes"/>
           <p:cNvSpPr txBox="1"/>
           <p:nvPr>
             <p:ph idx="1" type="body"/>
@@ -1289,7 +1398,7 @@
   <p:cSld>
     <p:spTree>
       <p:nvGrpSpPr>
-        <p:cNvPr id="182" name="Shape 182"/>
+        <p:cNvPr id="184" name="Shape 184"/>
         <p:cNvGrpSpPr/>
         <p:nvPr/>
       </p:nvGrpSpPr>
@@ -1303,7 +1412,7 @@
       </p:grpSpPr>
       <p:sp>
         <p:nvSpPr>
-          <p:cNvPr id="183" name="Google Shape;183;g74909c0039_1_276:notes"/>
+          <p:cNvPr id="185" name="Google Shape;185;g74909c0039_1_213:notes"/>
           <p:cNvSpPr/>
           <p:nvPr>
             <p:ph idx="2" type="sldImg"/>
@@ -1338,7 +1447,205 @@
       </p:sp>
       <p:sp>
         <p:nvSpPr>
-          <p:cNvPr id="184" name="Google Shape;184;g74909c0039_1_276:notes"/>
+          <p:cNvPr id="186" name="Google Shape;186;g74909c0039_1_213:notes"/>
+          <p:cNvSpPr txBox="1"/>
+          <p:nvPr>
+            <p:ph idx="1" type="body"/>
+          </p:nvPr>
+        </p:nvSpPr>
+        <p:spPr>
+          <a:xfrm>
+            <a:off x="685800" y="4343400"/>
+            <a:ext cx="5486400" cy="4114800"/>
+          </a:xfrm>
+          <a:prstGeom prst="rect">
+            <a:avLst/>
+          </a:prstGeom>
+        </p:spPr>
+        <p:txBody>
+          <a:bodyPr anchorCtr="0" anchor="t" bIns="91425" lIns="91425" spcFirstLastPara="1" rIns="91425" wrap="square" tIns="91425">
+            <a:noAutofit/>
+          </a:bodyPr>
+          <a:lstStyle/>
+          <a:p>
+            <a:pPr indent="0" lvl="0" marL="0" rtl="0" algn="l">
+              <a:spcBef>
+                <a:spcPts val="0"/>
+              </a:spcBef>
+              <a:spcAft>
+                <a:spcPts val="0"/>
+              </a:spcAft>
+              <a:buNone/>
+            </a:pPr>
+            <a:r>
+              <a:t/>
+            </a:r>
+            <a:endParaRPr/>
+          </a:p>
+        </p:txBody>
+      </p:sp>
+    </p:spTree>
+  </p:cSld>
+  <p:clrMapOvr>
+    <a:masterClrMapping/>
+  </p:clrMapOvr>
+</p:notes>
+</file>
+
+<file path=ppt/notesSlides/notesSlide8.xml><?xml version="1.0" encoding="utf-8"?>
+<p:notes xmlns:a="http://schemas.openxmlformats.org/drawingml/2006/main" xmlns:r="http://schemas.openxmlformats.org/officeDocument/2006/relationships" xmlns:mc="http://schemas.openxmlformats.org/markup-compatibility/2006" xmlns:mv="urn:schemas-microsoft-com:mac:vml" xmlns:p="http://schemas.openxmlformats.org/presentationml/2006/main" xmlns:c="http://schemas.openxmlformats.org/drawingml/2006/chart" xmlns:dgm="http://schemas.openxmlformats.org/drawingml/2006/diagram" xmlns:o="urn:schemas-microsoft-com:office:office" xmlns:v="urn:schemas-microsoft-com:vml" xmlns:pvml="urn:schemas-microsoft-com:office:powerpoint" xmlns:com="http://schemas.openxmlformats.org/drawingml/2006/compatibility" xmlns:p14="http://schemas.microsoft.com/office/powerpoint/2010/main" xmlns:p15="http://schemas.microsoft.com/office/powerpoint/2012/main" showMasterPhAnim="0" showMasterSp="0">
+  <p:cSld>
+    <p:spTree>
+      <p:nvGrpSpPr>
+        <p:cNvPr id="190" name="Shape 190"/>
+        <p:cNvGrpSpPr/>
+        <p:nvPr/>
+      </p:nvGrpSpPr>
+      <p:grpSpPr>
+        <a:xfrm>
+          <a:off x="0" y="0"/>
+          <a:ext cx="0" cy="0"/>
+          <a:chOff x="0" y="0"/>
+          <a:chExt cx="0" cy="0"/>
+        </a:xfrm>
+      </p:grpSpPr>
+      <p:sp>
+        <p:nvSpPr>
+          <p:cNvPr id="191" name="Google Shape;191;g74909c0039_1_256:notes"/>
+          <p:cNvSpPr/>
+          <p:nvPr>
+            <p:ph idx="2" type="sldImg"/>
+          </p:nvPr>
+        </p:nvSpPr>
+        <p:spPr>
+          <a:xfrm>
+            <a:off x="1143225" y="685800"/>
+            <a:ext cx="4572300" cy="3429000"/>
+          </a:xfrm>
+          <a:custGeom>
+            <a:rect b="b" l="l" r="r" t="t"/>
+            <a:pathLst>
+              <a:path extrusionOk="0" h="120000" w="120000">
+                <a:moveTo>
+                  <a:pt x="0" y="0"/>
+                </a:moveTo>
+                <a:lnTo>
+                  <a:pt x="120000" y="0"/>
+                </a:lnTo>
+                <a:lnTo>
+                  <a:pt x="120000" y="120000"/>
+                </a:lnTo>
+                <a:lnTo>
+                  <a:pt x="0" y="120000"/>
+                </a:lnTo>
+                <a:close/>
+              </a:path>
+            </a:pathLst>
+          </a:custGeom>
+        </p:spPr>
+      </p:sp>
+      <p:sp>
+        <p:nvSpPr>
+          <p:cNvPr id="192" name="Google Shape;192;g74909c0039_1_256:notes"/>
+          <p:cNvSpPr txBox="1"/>
+          <p:nvPr>
+            <p:ph idx="1" type="body"/>
+          </p:nvPr>
+        </p:nvSpPr>
+        <p:spPr>
+          <a:xfrm>
+            <a:off x="685800" y="4343400"/>
+            <a:ext cx="5486400" cy="4114800"/>
+          </a:xfrm>
+          <a:prstGeom prst="rect">
+            <a:avLst/>
+          </a:prstGeom>
+        </p:spPr>
+        <p:txBody>
+          <a:bodyPr anchorCtr="0" anchor="t" bIns="91425" lIns="91425" spcFirstLastPara="1" rIns="91425" wrap="square" tIns="91425">
+            <a:noAutofit/>
+          </a:bodyPr>
+          <a:lstStyle/>
+          <a:p>
+            <a:pPr indent="0" lvl="0" marL="0" rtl="0" algn="l">
+              <a:spcBef>
+                <a:spcPts val="0"/>
+              </a:spcBef>
+              <a:spcAft>
+                <a:spcPts val="0"/>
+              </a:spcAft>
+              <a:buNone/>
+            </a:pPr>
+            <a:r>
+              <a:t/>
+            </a:r>
+            <a:endParaRPr/>
+          </a:p>
+        </p:txBody>
+      </p:sp>
+    </p:spTree>
+  </p:cSld>
+  <p:clrMapOvr>
+    <a:masterClrMapping/>
+  </p:clrMapOvr>
+</p:notes>
+</file>
+
+<file path=ppt/notesSlides/notesSlide9.xml><?xml version="1.0" encoding="utf-8"?>
+<p:notes xmlns:a="http://schemas.openxmlformats.org/drawingml/2006/main" xmlns:r="http://schemas.openxmlformats.org/officeDocument/2006/relationships" xmlns:mc="http://schemas.openxmlformats.org/markup-compatibility/2006" xmlns:mv="urn:schemas-microsoft-com:mac:vml" xmlns:p="http://schemas.openxmlformats.org/presentationml/2006/main" xmlns:c="http://schemas.openxmlformats.org/drawingml/2006/chart" xmlns:dgm="http://schemas.openxmlformats.org/drawingml/2006/diagram" xmlns:o="urn:schemas-microsoft-com:office:office" xmlns:v="urn:schemas-microsoft-com:vml" xmlns:pvml="urn:schemas-microsoft-com:office:powerpoint" xmlns:com="http://schemas.openxmlformats.org/drawingml/2006/compatibility" xmlns:p14="http://schemas.microsoft.com/office/powerpoint/2010/main" xmlns:p15="http://schemas.microsoft.com/office/powerpoint/2012/main" showMasterPhAnim="0" showMasterSp="0">
+  <p:cSld>
+    <p:spTree>
+      <p:nvGrpSpPr>
+        <p:cNvPr id="196" name="Shape 196"/>
+        <p:cNvGrpSpPr/>
+        <p:nvPr/>
+      </p:nvGrpSpPr>
+      <p:grpSpPr>
+        <a:xfrm>
+          <a:off x="0" y="0"/>
+          <a:ext cx="0" cy="0"/>
+          <a:chOff x="0" y="0"/>
+          <a:chExt cx="0" cy="0"/>
+        </a:xfrm>
+      </p:grpSpPr>
+      <p:sp>
+        <p:nvSpPr>
+          <p:cNvPr id="197" name="Google Shape;197;g74909c0039_1_276:notes"/>
+          <p:cNvSpPr/>
+          <p:nvPr>
+            <p:ph idx="2" type="sldImg"/>
+          </p:nvPr>
+        </p:nvSpPr>
+        <p:spPr>
+          <a:xfrm>
+            <a:off x="1143225" y="685800"/>
+            <a:ext cx="4572300" cy="3429000"/>
+          </a:xfrm>
+          <a:custGeom>
+            <a:rect b="b" l="l" r="r" t="t"/>
+            <a:pathLst>
+              <a:path extrusionOk="0" h="120000" w="120000">
+                <a:moveTo>
+                  <a:pt x="0" y="0"/>
+                </a:moveTo>
+                <a:lnTo>
+                  <a:pt x="120000" y="0"/>
+                </a:lnTo>
+                <a:lnTo>
+                  <a:pt x="120000" y="120000"/>
+                </a:lnTo>
+                <a:lnTo>
+                  <a:pt x="0" y="120000"/>
+                </a:lnTo>
+                <a:close/>
+              </a:path>
+            </a:pathLst>
+          </a:custGeom>
+        </p:spPr>
+      </p:sp>
+      <p:sp>
+        <p:nvSpPr>
+          <p:cNvPr id="198" name="Google Shape;198;g74909c0039_1_276:notes"/>
           <p:cNvSpPr txBox="1"/>
           <p:nvPr>
             <p:ph idx="1" type="body"/>
@@ -18057,6 +18364,239 @@
 </p:sld>
 </file>
 
+<file path=ppt/slides/slide10.xml><?xml version="1.0" encoding="utf-8"?>
+<p:sld xmlns:a="http://schemas.openxmlformats.org/drawingml/2006/main" xmlns:r="http://schemas.openxmlformats.org/officeDocument/2006/relationships" xmlns:mc="http://schemas.openxmlformats.org/markup-compatibility/2006" xmlns:mv="urn:schemas-microsoft-com:mac:vml" xmlns:p="http://schemas.openxmlformats.org/presentationml/2006/main" xmlns:c="http://schemas.openxmlformats.org/drawingml/2006/chart" xmlns:dgm="http://schemas.openxmlformats.org/drawingml/2006/diagram" xmlns:o="urn:schemas-microsoft-com:office:office" xmlns:v="urn:schemas-microsoft-com:vml" xmlns:pvml="urn:schemas-microsoft-com:office:powerpoint" xmlns:com="http://schemas.openxmlformats.org/drawingml/2006/compatibility" xmlns:p14="http://schemas.microsoft.com/office/powerpoint/2010/main" xmlns:p15="http://schemas.microsoft.com/office/powerpoint/2012/main">
+  <p:cSld>
+    <p:spTree>
+      <p:nvGrpSpPr>
+        <p:cNvPr id="205" name="Shape 205"/>
+        <p:cNvGrpSpPr/>
+        <p:nvPr/>
+      </p:nvGrpSpPr>
+      <p:grpSpPr>
+        <a:xfrm>
+          <a:off x="0" y="0"/>
+          <a:ext cx="0" cy="0"/>
+          <a:chOff x="0" y="0"/>
+          <a:chExt cx="0" cy="0"/>
+        </a:xfrm>
+      </p:grpSpPr>
+      <p:sp>
+        <p:nvSpPr>
+          <p:cNvPr id="206" name="Google Shape;206;g74909c0039_1_3593"/>
+          <p:cNvSpPr txBox="1"/>
+          <p:nvPr>
+            <p:ph type="title"/>
+          </p:nvPr>
+        </p:nvSpPr>
+        <p:spPr>
+          <a:xfrm>
+            <a:off x="646111" y="452718"/>
+            <a:ext cx="9404700" cy="1400400"/>
+          </a:xfrm>
+          <a:prstGeom prst="rect">
+            <a:avLst/>
+          </a:prstGeom>
+        </p:spPr>
+        <p:txBody>
+          <a:bodyPr anchorCtr="0" anchor="t" bIns="45700" lIns="91425" spcFirstLastPara="1" rIns="91425" wrap="square" tIns="45700">
+            <a:noAutofit/>
+          </a:bodyPr>
+          <a:lstStyle/>
+          <a:p>
+            <a:pPr indent="0" lvl="0" marL="0" rtl="0" algn="l">
+              <a:spcBef>
+                <a:spcPts val="0"/>
+              </a:spcBef>
+              <a:spcAft>
+                <a:spcPts val="0"/>
+              </a:spcAft>
+              <a:buNone/>
+            </a:pPr>
+            <a:r>
+              <a:rPr lang="en-US"/>
+              <a:t>KEY FEATURES</a:t>
+            </a:r>
+            <a:endParaRPr/>
+          </a:p>
+        </p:txBody>
+      </p:sp>
+      <p:sp>
+        <p:nvSpPr>
+          <p:cNvPr id="207" name="Google Shape;207;g74909c0039_1_3593"/>
+          <p:cNvSpPr txBox="1"/>
+          <p:nvPr>
+            <p:ph idx="1" type="body"/>
+          </p:nvPr>
+        </p:nvSpPr>
+        <p:spPr>
+          <a:xfrm>
+            <a:off x="1103312" y="2052918"/>
+            <a:ext cx="8946600" cy="4195500"/>
+          </a:xfrm>
+          <a:prstGeom prst="rect">
+            <a:avLst/>
+          </a:prstGeom>
+        </p:spPr>
+        <p:txBody>
+          <a:bodyPr anchorCtr="0" anchor="t" bIns="45700" lIns="91425" spcFirstLastPara="1" rIns="91425" wrap="square" tIns="45700">
+            <a:noAutofit/>
+          </a:bodyPr>
+          <a:lstStyle/>
+          <a:p>
+            <a:pPr indent="-320040" lvl="0" marL="457200" rtl="0" algn="l">
+              <a:spcBef>
+                <a:spcPts val="1000"/>
+              </a:spcBef>
+              <a:spcAft>
+                <a:spcPts val="0"/>
+              </a:spcAft>
+              <a:buSzPts val="1440"/>
+              <a:buChar char="●"/>
+            </a:pPr>
+            <a:r>
+              <a:rPr lang="en-US"/>
+              <a:t>Doctor can request for an organ when needed by a patient</a:t>
+            </a:r>
+            <a:endParaRPr/>
+          </a:p>
+          <a:p>
+            <a:pPr indent="0" lvl="0" marL="457200" rtl="0" algn="l">
+              <a:spcBef>
+                <a:spcPts val="1000"/>
+              </a:spcBef>
+              <a:spcAft>
+                <a:spcPts val="0"/>
+              </a:spcAft>
+              <a:buNone/>
+            </a:pPr>
+            <a:r>
+              <a:t/>
+            </a:r>
+            <a:endParaRPr/>
+          </a:p>
+          <a:p>
+            <a:pPr indent="-320040" lvl="0" marL="457200" rtl="0" algn="l">
+              <a:spcBef>
+                <a:spcPts val="1000"/>
+              </a:spcBef>
+              <a:spcAft>
+                <a:spcPts val="0"/>
+              </a:spcAft>
+              <a:buSzPts val="1440"/>
+              <a:buChar char="●"/>
+            </a:pPr>
+            <a:r>
+              <a:rPr lang="en-US"/>
+              <a:t>Vital Signs can be matched before organ transplant</a:t>
+            </a:r>
+            <a:endParaRPr/>
+          </a:p>
+          <a:p>
+            <a:pPr indent="0" lvl="0" marL="457200" rtl="0" algn="l">
+              <a:spcBef>
+                <a:spcPts val="1000"/>
+              </a:spcBef>
+              <a:spcAft>
+                <a:spcPts val="0"/>
+              </a:spcAft>
+              <a:buNone/>
+            </a:pPr>
+            <a:r>
+              <a:t/>
+            </a:r>
+            <a:endParaRPr/>
+          </a:p>
+          <a:p>
+            <a:pPr indent="-320040" lvl="0" marL="457200" rtl="0" algn="l">
+              <a:spcBef>
+                <a:spcPts val="1000"/>
+              </a:spcBef>
+              <a:spcAft>
+                <a:spcPts val="0"/>
+              </a:spcAft>
+              <a:buSzPts val="1440"/>
+              <a:buChar char="●"/>
+            </a:pPr>
+            <a:r>
+              <a:rPr lang="en-US"/>
+              <a:t>Appropriate emails can be sent whenever needed</a:t>
+            </a:r>
+            <a:endParaRPr/>
+          </a:p>
+          <a:p>
+            <a:pPr indent="0" lvl="0" marL="457200" rtl="0" algn="l">
+              <a:spcBef>
+                <a:spcPts val="1000"/>
+              </a:spcBef>
+              <a:spcAft>
+                <a:spcPts val="0"/>
+              </a:spcAft>
+              <a:buNone/>
+            </a:pPr>
+            <a:r>
+              <a:t/>
+            </a:r>
+            <a:endParaRPr/>
+          </a:p>
+          <a:p>
+            <a:pPr indent="-320040" lvl="0" marL="457200" rtl="0" algn="l">
+              <a:spcBef>
+                <a:spcPts val="1000"/>
+              </a:spcBef>
+              <a:spcAft>
+                <a:spcPts val="0"/>
+              </a:spcAft>
+              <a:buSzPts val="1440"/>
+              <a:buChar char="●"/>
+            </a:pPr>
+            <a:r>
+              <a:rPr lang="en-US"/>
+              <a:t>Organ can be transported from facility to hospital</a:t>
+            </a:r>
+            <a:endParaRPr/>
+          </a:p>
+          <a:p>
+            <a:pPr indent="0" lvl="0" marL="457200" rtl="0" algn="l">
+              <a:spcBef>
+                <a:spcPts val="1000"/>
+              </a:spcBef>
+              <a:spcAft>
+                <a:spcPts val="0"/>
+              </a:spcAft>
+              <a:buNone/>
+            </a:pPr>
+            <a:r>
+              <a:t/>
+            </a:r>
+            <a:endParaRPr/>
+          </a:p>
+          <a:p>
+            <a:pPr indent="-320040" lvl="0" marL="457200" rtl="0" algn="l">
+              <a:spcBef>
+                <a:spcPts val="1000"/>
+              </a:spcBef>
+              <a:spcAft>
+                <a:spcPts val="0"/>
+              </a:spcAft>
+              <a:buSzPts val="1440"/>
+              <a:buChar char="●"/>
+            </a:pPr>
+            <a:r>
+              <a:t/>
+            </a:r>
+            <a:endParaRPr/>
+          </a:p>
+        </p:txBody>
+      </p:sp>
+    </p:spTree>
+  </p:cSld>
+  <p:clrMapOvr>
+    <a:masterClrMapping/>
+  </p:clrMapOvr>
+</p:sld>
+</file>
+
 <file path=ppt/slides/slide2.xml><?xml version="1.0" encoding="utf-8"?>
 <p:sld xmlns:a="http://schemas.openxmlformats.org/drawingml/2006/main" xmlns:r="http://schemas.openxmlformats.org/officeDocument/2006/relationships" xmlns:mc="http://schemas.openxmlformats.org/markup-compatibility/2006" xmlns:mv="urn:schemas-microsoft-com:mac:vml" xmlns:p="http://schemas.openxmlformats.org/presentationml/2006/main" xmlns:c="http://schemas.openxmlformats.org/drawingml/2006/chart" xmlns:dgm="http://schemas.openxmlformats.org/drawingml/2006/diagram" xmlns:o="urn:schemas-microsoft-com:office:office" xmlns:v="urn:schemas-microsoft-com:vml" xmlns:pvml="urn:schemas-microsoft-com:office:powerpoint" xmlns:com="http://schemas.openxmlformats.org/drawingml/2006/compatibility" xmlns:p14="http://schemas.microsoft.com/office/powerpoint/2010/main" xmlns:p15="http://schemas.microsoft.com/office/powerpoint/2012/main">
   <p:cSld>
@@ -18076,7 +18616,7 @@
       </p:grpSpPr>
       <p:sp>
         <p:nvSpPr>
-          <p:cNvPr id="156" name="Google Shape;156;g74909c0039_0_0"/>
+          <p:cNvPr id="156" name="Google Shape;156;g74909c0039_1_1044"/>
           <p:cNvSpPr txBox="1"/>
           <p:nvPr>
             <p:ph type="title"/>
@@ -18084,8 +18624,8 @@
         </p:nvSpPr>
         <p:spPr>
           <a:xfrm>
-            <a:off x="673336" y="806493"/>
-            <a:ext cx="9404700" cy="1400400"/>
+            <a:off x="1034575" y="826250"/>
+            <a:ext cx="4628100" cy="900300"/>
           </a:xfrm>
           <a:prstGeom prst="rect">
             <a:avLst/>
@@ -18108,7 +18648,7 @@
             </a:pPr>
             <a:r>
               <a:rPr lang="en-US"/>
-              <a:t>APPLICATIONS</a:t>
+              <a:t>INTRODUCTION</a:t>
             </a:r>
             <a:endParaRPr/>
           </a:p>
@@ -18116,7 +18656,7 @@
       </p:sp>
       <p:sp>
         <p:nvSpPr>
-          <p:cNvPr id="157" name="Google Shape;157;g74909c0039_0_0"/>
+          <p:cNvPr id="157" name="Google Shape;157;g74909c0039_1_1044"/>
           <p:cNvSpPr txBox="1"/>
           <p:nvPr>
             <p:ph idx="1" type="body"/>
@@ -18124,8 +18664,8 @@
         </p:nvSpPr>
         <p:spPr>
           <a:xfrm>
-            <a:off x="1327400" y="2710322"/>
-            <a:ext cx="8946600" cy="2578800"/>
+            <a:off x="1103299" y="2052925"/>
+            <a:ext cx="9718800" cy="4195500"/>
           </a:xfrm>
           <a:prstGeom prst="rect">
             <a:avLst/>
@@ -18137,18 +18677,221 @@
           </a:bodyPr>
           <a:lstStyle/>
           <a:p>
-            <a:pPr indent="0" lvl="0" marL="0" rtl="0" algn="l">
-              <a:spcBef>
-                <a:spcPts val="1000"/>
-              </a:spcBef>
-              <a:spcAft>
-                <a:spcPts val="0"/>
-              </a:spcAft>
-              <a:buNone/>
+            <a:pPr indent="0" lvl="0" marL="457200" rtl="0" algn="l">
+              <a:spcBef>
+                <a:spcPts val="1000"/>
+              </a:spcBef>
+              <a:spcAft>
+                <a:spcPts val="0"/>
+              </a:spcAft>
+              <a:buNone/>
+            </a:pPr>
+            <a:r>
+              <a:t/>
+            </a:r>
+            <a:endParaRPr/>
+          </a:p>
+          <a:p>
+            <a:pPr indent="-320040" lvl="0" marL="457200" rtl="0" algn="l">
+              <a:spcBef>
+                <a:spcPts val="1000"/>
+              </a:spcBef>
+              <a:spcAft>
+                <a:spcPts val="0"/>
+              </a:spcAft>
+              <a:buSzPts val="1440"/>
+              <a:buChar char="●"/>
             </a:pPr>
             <a:r>
               <a:rPr lang="en-US"/>
-              <a:t>The Organ Donation Application is a bridge between Patients needing an organ transplant and Donors who have pledged their organs for transplant.</a:t>
+              <a:t>It has been over 50 years since organ transplantation was discovered and many lives have been saved since</a:t>
+            </a:r>
+            <a:endParaRPr/>
+          </a:p>
+          <a:p>
+            <a:pPr indent="0" lvl="0" marL="457200" rtl="0" algn="l">
+              <a:spcBef>
+                <a:spcPts val="1000"/>
+              </a:spcBef>
+              <a:spcAft>
+                <a:spcPts val="0"/>
+              </a:spcAft>
+              <a:buNone/>
+            </a:pPr>
+            <a:r>
+              <a:t/>
+            </a:r>
+            <a:endParaRPr/>
+          </a:p>
+          <a:p>
+            <a:pPr indent="-320040" lvl="0" marL="457200" rtl="0" algn="l">
+              <a:spcBef>
+                <a:spcPts val="1000"/>
+              </a:spcBef>
+              <a:spcAft>
+                <a:spcPts val="0"/>
+              </a:spcAft>
+              <a:buSzPts val="1440"/>
+              <a:buChar char="●"/>
+            </a:pPr>
+            <a:r>
+              <a:rPr lang="en-US"/>
+              <a:t>since 1988, more than 390,000 organs have been transplanted, with 80 percent of them coming from deceased donors.</a:t>
+            </a:r>
+            <a:endParaRPr/>
+          </a:p>
+          <a:p>
+            <a:pPr indent="0" lvl="0" marL="457200" rtl="0" algn="l">
+              <a:spcBef>
+                <a:spcPts val="1000"/>
+              </a:spcBef>
+              <a:spcAft>
+                <a:spcPts val="0"/>
+              </a:spcAft>
+              <a:buNone/>
+            </a:pPr>
+            <a:r>
+              <a:t/>
+            </a:r>
+            <a:endParaRPr/>
+          </a:p>
+          <a:p>
+            <a:pPr indent="-320040" lvl="0" marL="457200" rtl="0" algn="l">
+              <a:spcBef>
+                <a:spcPts val="1000"/>
+              </a:spcBef>
+              <a:spcAft>
+                <a:spcPts val="0"/>
+              </a:spcAft>
+              <a:buSzPts val="1440"/>
+              <a:buChar char="●"/>
+            </a:pPr>
+            <a:r>
+              <a:rPr lang="en-US"/>
+              <a:t>The Organ donation application is a Java-Swing Application used to make organ donation and transplant easier and efficient.</a:t>
+            </a:r>
+            <a:endParaRPr/>
+          </a:p>
+          <a:p>
+            <a:pPr indent="0" lvl="0" marL="457200" rtl="0" algn="l">
+              <a:spcBef>
+                <a:spcPts val="1000"/>
+              </a:spcBef>
+              <a:spcAft>
+                <a:spcPts val="0"/>
+              </a:spcAft>
+              <a:buNone/>
+            </a:pPr>
+            <a:r>
+              <a:t/>
+            </a:r>
+            <a:endParaRPr/>
+          </a:p>
+          <a:p>
+            <a:pPr indent="0" lvl="0" marL="457200" rtl="0" algn="l">
+              <a:spcBef>
+                <a:spcPts val="1000"/>
+              </a:spcBef>
+              <a:spcAft>
+                <a:spcPts val="0"/>
+              </a:spcAft>
+              <a:buNone/>
+            </a:pPr>
+            <a:r>
+              <a:t/>
+            </a:r>
+            <a:endParaRPr sz="1300">
+              <a:solidFill>
+                <a:schemeClr val="dk1"/>
+              </a:solidFill>
+              <a:highlight>
+                <a:srgbClr val="FAF8F6"/>
+              </a:highlight>
+            </a:endParaRPr>
+          </a:p>
+          <a:p>
+            <a:pPr indent="0" lvl="0" marL="457200" rtl="0" algn="l">
+              <a:spcBef>
+                <a:spcPts val="1000"/>
+              </a:spcBef>
+              <a:spcAft>
+                <a:spcPts val="0"/>
+              </a:spcAft>
+              <a:buNone/>
+            </a:pPr>
+            <a:r>
+              <a:t/>
+            </a:r>
+            <a:endParaRPr sz="1300">
+              <a:solidFill>
+                <a:schemeClr val="dk1"/>
+              </a:solidFill>
+              <a:highlight>
+                <a:srgbClr val="FAF8F6"/>
+              </a:highlight>
+              <a:latin typeface="Lora"/>
+              <a:ea typeface="Lora"/>
+              <a:cs typeface="Lora"/>
+              <a:sym typeface="Lora"/>
+            </a:endParaRPr>
+          </a:p>
+          <a:p>
+            <a:pPr indent="0" lvl="0" marL="457200" rtl="0" algn="l">
+              <a:spcBef>
+                <a:spcPts val="1000"/>
+              </a:spcBef>
+              <a:spcAft>
+                <a:spcPts val="0"/>
+              </a:spcAft>
+              <a:buNone/>
+            </a:pPr>
+            <a:r>
+              <a:t/>
+            </a:r>
+            <a:endParaRPr/>
+          </a:p>
+          <a:p>
+            <a:pPr indent="0" lvl="0" marL="457200" rtl="0" algn="l">
+              <a:spcBef>
+                <a:spcPts val="1000"/>
+              </a:spcBef>
+              <a:spcAft>
+                <a:spcPts val="0"/>
+              </a:spcAft>
+              <a:buNone/>
+            </a:pPr>
+            <a:r>
+              <a:t/>
+            </a:r>
+            <a:endParaRPr/>
+          </a:p>
+          <a:p>
+            <a:pPr indent="0" lvl="0" marL="457200" rtl="0" algn="l">
+              <a:spcBef>
+                <a:spcPts val="1000"/>
+              </a:spcBef>
+              <a:spcAft>
+                <a:spcPts val="0"/>
+              </a:spcAft>
+              <a:buNone/>
+            </a:pPr>
+            <a:r>
+              <a:t/>
+            </a:r>
+            <a:endParaRPr/>
+          </a:p>
+          <a:p>
+            <a:pPr indent="0" lvl="0" marL="0" rtl="0" algn="l">
+              <a:spcBef>
+                <a:spcPts val="1000"/>
+              </a:spcBef>
+              <a:spcAft>
+                <a:spcPts val="0"/>
+              </a:spcAft>
+              <a:buNone/>
+            </a:pPr>
+            <a:r>
+              <a:t/>
             </a:r>
             <a:endParaRPr/>
           </a:p>
@@ -18181,7 +18924,7 @@
       </p:grpSpPr>
       <p:sp>
         <p:nvSpPr>
-          <p:cNvPr id="162" name="Google Shape;162;g74909c0039_0_117"/>
+          <p:cNvPr id="162" name="Google Shape;162;g74909c0039_0_0"/>
           <p:cNvSpPr txBox="1"/>
           <p:nvPr>
             <p:ph type="title"/>
@@ -18189,8 +18932,8 @@
         </p:nvSpPr>
         <p:spPr>
           <a:xfrm>
-            <a:off x="646111" y="452718"/>
-            <a:ext cx="9404700" cy="1400400"/>
+            <a:off x="1031900" y="1015675"/>
+            <a:ext cx="5094000" cy="911700"/>
           </a:xfrm>
           <a:prstGeom prst="rect">
             <a:avLst/>
@@ -18213,7 +18956,7 @@
             </a:pPr>
             <a:r>
               <a:rPr lang="en-US"/>
-              <a:t>ISSUES SOLVED</a:t>
+              <a:t>APPLICATIONS</a:t>
             </a:r>
             <a:endParaRPr/>
           </a:p>
@@ -18221,7 +18964,7 @@
       </p:sp>
       <p:sp>
         <p:nvSpPr>
-          <p:cNvPr id="163" name="Google Shape;163;g74909c0039_0_117"/>
+          <p:cNvPr id="163" name="Google Shape;163;g74909c0039_0_0"/>
           <p:cNvSpPr txBox="1"/>
           <p:nvPr>
             <p:ph idx="1" type="body"/>
@@ -18229,8 +18972,8 @@
         </p:nvSpPr>
         <p:spPr>
           <a:xfrm>
-            <a:off x="1103312" y="2052918"/>
-            <a:ext cx="8946600" cy="4195500"/>
+            <a:off x="1327400" y="2450350"/>
+            <a:ext cx="9594600" cy="2838900"/>
           </a:xfrm>
           <a:prstGeom prst="rect">
             <a:avLst/>
@@ -18252,9 +18995,26 @@
               <a:buNone/>
             </a:pPr>
             <a:r>
-              <a:t/>
+              <a:rPr lang="en-US" sz="2400"/>
+              <a:t>The Organ Donation Application is a bridge between Patients needing an organ transplant and Donors who have pledged their organs for transplant</a:t>
             </a:r>
-            <a:endParaRPr/>
+            <a:endParaRPr sz="2400"/>
+          </a:p>
+          <a:p>
+            <a:pPr indent="0" lvl="0" marL="0" rtl="0" algn="l">
+              <a:spcBef>
+                <a:spcPts val="1000"/>
+              </a:spcBef>
+              <a:spcAft>
+                <a:spcPts val="0"/>
+              </a:spcAft>
+              <a:buNone/>
+            </a:pPr>
+            <a:r>
+              <a:rPr lang="en-US" sz="2400"/>
+              <a:t>It helps complete the whole procedure of an organ transplant from a donor to a patient including request, transport, legalization and the final transplant of an organ</a:t>
+            </a:r>
+            <a:endParaRPr sz="2400"/>
           </a:p>
         </p:txBody>
       </p:sp>
@@ -18285,7 +19045,7 @@
       </p:grpSpPr>
       <p:sp>
         <p:nvSpPr>
-          <p:cNvPr id="168" name="Google Shape;168;g74909c0039_1_159"/>
+          <p:cNvPr id="168" name="Google Shape;168;g74909c0039_0_117"/>
           <p:cNvSpPr txBox="1"/>
           <p:nvPr>
             <p:ph type="title"/>
@@ -18293,8 +19053,8 @@
         </p:nvSpPr>
         <p:spPr>
           <a:xfrm>
-            <a:off x="735750" y="721647"/>
-            <a:ext cx="9404700" cy="787500"/>
+            <a:off x="646111" y="452718"/>
+            <a:ext cx="9404700" cy="1400400"/>
           </a:xfrm>
           <a:prstGeom prst="rect">
             <a:avLst/>
@@ -18316,16 +19076,164 @@
               <a:buNone/>
             </a:pPr>
             <a:r>
-              <a:rPr lang="en-US" sz="3600"/>
-              <a:t>ECOSYSTEM ARCHITECTURE DIAGRAM</a:t>
+              <a:rPr lang="en-US"/>
+              <a:t>ISSUES FACED</a:t>
             </a:r>
-            <a:endParaRPr sz="3600"/>
+            <a:endParaRPr/>
+          </a:p>
+        </p:txBody>
+      </p:sp>
+      <p:pic>
+        <p:nvPicPr>
+          <p:cNvPr id="169" name="Google Shape;169;g74909c0039_0_117"/>
+          <p:cNvPicPr preferRelativeResize="0"/>
+          <p:nvPr/>
+        </p:nvPicPr>
+        <p:blipFill>
+          <a:blip r:embed="rId3">
+            <a:alphaModFix/>
+          </a:blip>
+          <a:stretch>
+            <a:fillRect/>
+          </a:stretch>
+        </p:blipFill>
+        <p:spPr>
+          <a:xfrm>
+            <a:off x="1386575" y="1718675"/>
+            <a:ext cx="9206698" cy="1758450"/>
+          </a:xfrm>
+          <a:prstGeom prst="rect">
+            <a:avLst/>
+          </a:prstGeom>
+          <a:noFill/>
+          <a:ln>
+            <a:noFill/>
+          </a:ln>
+        </p:spPr>
+      </p:pic>
+      <p:pic>
+        <p:nvPicPr>
+          <p:cNvPr id="170" name="Google Shape;170;g74909c0039_0_117"/>
+          <p:cNvPicPr preferRelativeResize="0"/>
+          <p:nvPr/>
+        </p:nvPicPr>
+        <p:blipFill>
+          <a:blip r:embed="rId4">
+            <a:alphaModFix/>
+          </a:blip>
+          <a:stretch>
+            <a:fillRect/>
+          </a:stretch>
+        </p:blipFill>
+        <p:spPr>
+          <a:xfrm>
+            <a:off x="1252100" y="3928613"/>
+            <a:ext cx="6362700" cy="1962150"/>
+          </a:xfrm>
+          <a:prstGeom prst="rect">
+            <a:avLst/>
+          </a:prstGeom>
+          <a:noFill/>
+          <a:ln>
+            <a:noFill/>
+          </a:ln>
+        </p:spPr>
+      </p:pic>
+      <p:pic>
+        <p:nvPicPr>
+          <p:cNvPr id="171" name="Google Shape;171;g74909c0039_0_117"/>
+          <p:cNvPicPr preferRelativeResize="0"/>
+          <p:nvPr/>
+        </p:nvPicPr>
+        <p:blipFill rotWithShape="1">
+          <a:blip r:embed="rId5">
+            <a:alphaModFix/>
+          </a:blip>
+          <a:srcRect b="31172" l="0" r="0" t="0"/>
+          <a:stretch/>
+        </p:blipFill>
+        <p:spPr>
+          <a:xfrm>
+            <a:off x="8290150" y="3840850"/>
+            <a:ext cx="2557150" cy="2137700"/>
+          </a:xfrm>
+          <a:prstGeom prst="rect">
+            <a:avLst/>
+          </a:prstGeom>
+          <a:noFill/>
+          <a:ln>
+            <a:noFill/>
+          </a:ln>
+        </p:spPr>
+      </p:pic>
+    </p:spTree>
+  </p:cSld>
+  <p:clrMapOvr>
+    <a:masterClrMapping/>
+  </p:clrMapOvr>
+</p:sld>
+</file>
+
+<file path=ppt/slides/slide5.xml><?xml version="1.0" encoding="utf-8"?>
+<p:sld xmlns:a="http://schemas.openxmlformats.org/drawingml/2006/main" xmlns:r="http://schemas.openxmlformats.org/officeDocument/2006/relationships" xmlns:mc="http://schemas.openxmlformats.org/markup-compatibility/2006" xmlns:mv="urn:schemas-microsoft-com:mac:vml" xmlns:p="http://schemas.openxmlformats.org/presentationml/2006/main" xmlns:c="http://schemas.openxmlformats.org/drawingml/2006/chart" xmlns:dgm="http://schemas.openxmlformats.org/drawingml/2006/diagram" xmlns:o="urn:schemas-microsoft-com:office:office" xmlns:v="urn:schemas-microsoft-com:vml" xmlns:pvml="urn:schemas-microsoft-com:office:powerpoint" xmlns:com="http://schemas.openxmlformats.org/drawingml/2006/compatibility" xmlns:p14="http://schemas.microsoft.com/office/powerpoint/2010/main" xmlns:p15="http://schemas.microsoft.com/office/powerpoint/2012/main">
+  <p:cSld>
+    <p:spTree>
+      <p:nvGrpSpPr>
+        <p:cNvPr id="175" name="Shape 175"/>
+        <p:cNvGrpSpPr/>
+        <p:nvPr/>
+      </p:nvGrpSpPr>
+      <p:grpSpPr>
+        <a:xfrm>
+          <a:off x="0" y="0"/>
+          <a:ext cx="0" cy="0"/>
+          <a:chOff x="0" y="0"/>
+          <a:chExt cx="0" cy="0"/>
+        </a:xfrm>
+      </p:grpSpPr>
+      <p:sp>
+        <p:nvSpPr>
+          <p:cNvPr id="176" name="Google Shape;176;g74909c0039_1_3228"/>
+          <p:cNvSpPr txBox="1"/>
+          <p:nvPr>
+            <p:ph type="title"/>
+          </p:nvPr>
+        </p:nvSpPr>
+        <p:spPr>
+          <a:xfrm>
+            <a:off x="646111" y="452718"/>
+            <a:ext cx="9404700" cy="1400400"/>
+          </a:xfrm>
+          <a:prstGeom prst="rect">
+            <a:avLst/>
+          </a:prstGeom>
+        </p:spPr>
+        <p:txBody>
+          <a:bodyPr anchorCtr="0" anchor="t" bIns="45700" lIns="91425" spcFirstLastPara="1" rIns="91425" wrap="square" tIns="45700">
+            <a:noAutofit/>
+          </a:bodyPr>
+          <a:lstStyle/>
+          <a:p>
+            <a:pPr indent="0" lvl="0" marL="0" rtl="0" algn="l">
+              <a:spcBef>
+                <a:spcPts val="0"/>
+              </a:spcBef>
+              <a:spcAft>
+                <a:spcPts val="0"/>
+              </a:spcAft>
+              <a:buNone/>
+            </a:pPr>
+            <a:r>
+              <a:rPr lang="en-US"/>
+              <a:t>ISSUES SOLVED</a:t>
+            </a:r>
+            <a:endParaRPr/>
           </a:p>
         </p:txBody>
       </p:sp>
       <p:sp>
         <p:nvSpPr>
-          <p:cNvPr id="169" name="Google Shape;169;g74909c0039_1_159"/>
+          <p:cNvPr id="177" name="Google Shape;177;g74909c0039_1_3228"/>
           <p:cNvSpPr txBox="1"/>
           <p:nvPr>
             <p:ph idx="1" type="body"/>
@@ -18356,6 +19264,84 @@
               <a:buNone/>
             </a:pPr>
             <a:r>
+              <a:rPr lang="en-US"/>
+              <a:t>The long waitlist for a transplant is due to an ambiguous system being in place, the Organ Donation Application removes this ambiguity by organizing Donors and Patients .</a:t>
+            </a:r>
+            <a:endParaRPr/>
+          </a:p>
+          <a:p>
+            <a:pPr indent="0" lvl="0" marL="0" rtl="0" algn="l">
+              <a:spcBef>
+                <a:spcPts val="1000"/>
+              </a:spcBef>
+              <a:spcAft>
+                <a:spcPts val="0"/>
+              </a:spcAft>
+              <a:buNone/>
+            </a:pPr>
+            <a:r>
+              <a:t/>
+            </a:r>
+            <a:endParaRPr/>
+          </a:p>
+          <a:p>
+            <a:pPr indent="0" lvl="0" marL="0" rtl="0" algn="l">
+              <a:spcBef>
+                <a:spcPts val="1000"/>
+              </a:spcBef>
+              <a:spcAft>
+                <a:spcPts val="0"/>
+              </a:spcAft>
+              <a:buNone/>
+            </a:pPr>
+            <a:r>
+              <a:rPr lang="en-US"/>
+              <a:t>Other problems being faced by patients are contacting different organizations for legalisation and transportation of the organ.</a:t>
+            </a:r>
+            <a:endParaRPr/>
+          </a:p>
+          <a:p>
+            <a:pPr indent="0" lvl="0" marL="0" rtl="0" algn="l">
+              <a:spcBef>
+                <a:spcPts val="1000"/>
+              </a:spcBef>
+              <a:spcAft>
+                <a:spcPts val="0"/>
+              </a:spcAft>
+              <a:buNone/>
+            </a:pPr>
+            <a:r>
+              <a:rPr lang="en-US"/>
+              <a:t>Our application provides all these services on one platform, hence decreasing the delay and hassle, which can be a make or break situation under such circumstances.</a:t>
+            </a:r>
+            <a:endParaRPr/>
+          </a:p>
+          <a:p>
+            <a:pPr indent="0" lvl="0" marL="0" rtl="0" algn="l">
+              <a:spcBef>
+                <a:spcPts val="1000"/>
+              </a:spcBef>
+              <a:spcAft>
+                <a:spcPts val="0"/>
+              </a:spcAft>
+              <a:buNone/>
+            </a:pPr>
+            <a:r>
+              <a:t/>
+            </a:r>
+            <a:endParaRPr/>
+          </a:p>
+          <a:p>
+            <a:pPr indent="0" lvl="0" marL="0" rtl="0" algn="l">
+              <a:spcBef>
+                <a:spcPts val="1000"/>
+              </a:spcBef>
+              <a:spcAft>
+                <a:spcPts val="0"/>
+              </a:spcAft>
+              <a:buNone/>
+            </a:pPr>
+            <a:r>
               <a:t/>
             </a:r>
             <a:endParaRPr/>
@@ -18370,12 +19356,12 @@
 </p:sld>
 </file>
 
-<file path=ppt/slides/slide5.xml><?xml version="1.0" encoding="utf-8"?>
+<file path=ppt/slides/slide6.xml><?xml version="1.0" encoding="utf-8"?>
 <p:sld xmlns:a="http://schemas.openxmlformats.org/drawingml/2006/main" xmlns:r="http://schemas.openxmlformats.org/officeDocument/2006/relationships" xmlns:mc="http://schemas.openxmlformats.org/markup-compatibility/2006" xmlns:mv="urn:schemas-microsoft-com:mac:vml" xmlns:p="http://schemas.openxmlformats.org/presentationml/2006/main" xmlns:c="http://schemas.openxmlformats.org/drawingml/2006/chart" xmlns:dgm="http://schemas.openxmlformats.org/drawingml/2006/diagram" xmlns:o="urn:schemas-microsoft-com:office:office" xmlns:v="urn:schemas-microsoft-com:vml" xmlns:pvml="urn:schemas-microsoft-com:office:powerpoint" xmlns:com="http://schemas.openxmlformats.org/drawingml/2006/compatibility" xmlns:p14="http://schemas.microsoft.com/office/powerpoint/2010/main" xmlns:p15="http://schemas.microsoft.com/office/powerpoint/2012/main">
   <p:cSld>
     <p:spTree>
       <p:nvGrpSpPr>
-        <p:cNvPr id="173" name="Shape 173"/>
+        <p:cNvPr id="181" name="Shape 181"/>
         <p:cNvGrpSpPr/>
         <p:nvPr/>
       </p:nvGrpSpPr>
@@ -18389,7 +19375,193 @@
       </p:grpSpPr>
       <p:sp>
         <p:nvSpPr>
-          <p:cNvPr id="174" name="Google Shape;174;g74909c0039_1_213"/>
+          <p:cNvPr id="182" name="Google Shape;182;g74909c0039_1_298"/>
+          <p:cNvSpPr txBox="1"/>
+          <p:nvPr>
+            <p:ph type="title"/>
+          </p:nvPr>
+        </p:nvSpPr>
+        <p:spPr>
+          <a:xfrm>
+            <a:off x="465225" y="271846"/>
+            <a:ext cx="9404700" cy="677700"/>
+          </a:xfrm>
+          <a:prstGeom prst="rect">
+            <a:avLst/>
+          </a:prstGeom>
+        </p:spPr>
+        <p:txBody>
+          <a:bodyPr anchorCtr="0" anchor="t" bIns="45700" lIns="91425" spcFirstLastPara="1" rIns="91425" wrap="square" tIns="45700">
+            <a:noAutofit/>
+          </a:bodyPr>
+          <a:lstStyle/>
+          <a:p>
+            <a:pPr indent="0" lvl="0" marL="0" rtl="0" algn="l">
+              <a:spcBef>
+                <a:spcPts val="0"/>
+              </a:spcBef>
+              <a:spcAft>
+                <a:spcPts val="0"/>
+              </a:spcAft>
+              <a:buNone/>
+            </a:pPr>
+            <a:r>
+              <a:rPr lang="en-US" sz="3600"/>
+              <a:t>ECOSYSTEM ARCHITECTURE DIAGRAM</a:t>
+            </a:r>
+            <a:endParaRPr sz="3600"/>
+          </a:p>
+        </p:txBody>
+      </p:sp>
+      <p:pic>
+        <p:nvPicPr>
+          <p:cNvPr id="183" name="Google Shape;183;g74909c0039_1_298"/>
+          <p:cNvPicPr preferRelativeResize="0"/>
+          <p:nvPr/>
+        </p:nvPicPr>
+        <p:blipFill>
+          <a:blip r:embed="rId3">
+            <a:alphaModFix/>
+          </a:blip>
+          <a:stretch>
+            <a:fillRect/>
+          </a:stretch>
+        </p:blipFill>
+        <p:spPr>
+          <a:xfrm>
+            <a:off x="1964175" y="1021421"/>
+            <a:ext cx="7772116" cy="5603653"/>
+          </a:xfrm>
+          <a:prstGeom prst="rect">
+            <a:avLst/>
+          </a:prstGeom>
+          <a:noFill/>
+          <a:ln>
+            <a:noFill/>
+          </a:ln>
+        </p:spPr>
+      </p:pic>
+    </p:spTree>
+  </p:cSld>
+  <p:clrMapOvr>
+    <a:masterClrMapping/>
+  </p:clrMapOvr>
+</p:sld>
+</file>
+
+<file path=ppt/slides/slide7.xml><?xml version="1.0" encoding="utf-8"?>
+<p:sld xmlns:a="http://schemas.openxmlformats.org/drawingml/2006/main" xmlns:r="http://schemas.openxmlformats.org/officeDocument/2006/relationships" xmlns:mc="http://schemas.openxmlformats.org/markup-compatibility/2006" xmlns:mv="urn:schemas-microsoft-com:mac:vml" xmlns:p="http://schemas.openxmlformats.org/presentationml/2006/main" xmlns:c="http://schemas.openxmlformats.org/drawingml/2006/chart" xmlns:dgm="http://schemas.openxmlformats.org/drawingml/2006/diagram" xmlns:o="urn:schemas-microsoft-com:office:office" xmlns:v="urn:schemas-microsoft-com:vml" xmlns:pvml="urn:schemas-microsoft-com:office:powerpoint" xmlns:com="http://schemas.openxmlformats.org/drawingml/2006/compatibility" xmlns:p14="http://schemas.microsoft.com/office/powerpoint/2010/main" xmlns:p15="http://schemas.microsoft.com/office/powerpoint/2012/main">
+  <p:cSld>
+    <p:spTree>
+      <p:nvGrpSpPr>
+        <p:cNvPr id="187" name="Shape 187"/>
+        <p:cNvGrpSpPr/>
+        <p:nvPr/>
+      </p:nvGrpSpPr>
+      <p:grpSpPr>
+        <a:xfrm>
+          <a:off x="0" y="0"/>
+          <a:ext cx="0" cy="0"/>
+          <a:chOff x="0" y="0"/>
+          <a:chExt cx="0" cy="0"/>
+        </a:xfrm>
+      </p:grpSpPr>
+      <p:sp>
+        <p:nvSpPr>
+          <p:cNvPr id="188" name="Google Shape;188;g74909c0039_1_213"/>
+          <p:cNvSpPr txBox="1"/>
+          <p:nvPr>
+            <p:ph type="title"/>
+          </p:nvPr>
+        </p:nvSpPr>
+        <p:spPr>
+          <a:xfrm>
+            <a:off x="431375" y="278250"/>
+            <a:ext cx="4118100" cy="674700"/>
+          </a:xfrm>
+          <a:prstGeom prst="rect">
+            <a:avLst/>
+          </a:prstGeom>
+        </p:spPr>
+        <p:txBody>
+          <a:bodyPr anchorCtr="0" anchor="t" bIns="45700" lIns="91425" spcFirstLastPara="1" rIns="91425" wrap="square" tIns="45700">
+            <a:noAutofit/>
+          </a:bodyPr>
+          <a:lstStyle/>
+          <a:p>
+            <a:pPr indent="0" lvl="0" marL="0" rtl="0" algn="l">
+              <a:spcBef>
+                <a:spcPts val="0"/>
+              </a:spcBef>
+              <a:spcAft>
+                <a:spcPts val="0"/>
+              </a:spcAft>
+              <a:buNone/>
+            </a:pPr>
+            <a:r>
+              <a:rPr lang="en-US"/>
+              <a:t>UML DIAGRAM</a:t>
+            </a:r>
+            <a:endParaRPr/>
+          </a:p>
+        </p:txBody>
+      </p:sp>
+      <p:pic>
+        <p:nvPicPr>
+          <p:cNvPr id="189" name="Google Shape;189;g74909c0039_1_213"/>
+          <p:cNvPicPr preferRelativeResize="0"/>
+          <p:nvPr/>
+        </p:nvPicPr>
+        <p:blipFill>
+          <a:blip r:embed="rId3">
+            <a:alphaModFix/>
+          </a:blip>
+          <a:stretch>
+            <a:fillRect/>
+          </a:stretch>
+        </p:blipFill>
+        <p:spPr>
+          <a:xfrm>
+            <a:off x="2181075" y="1060325"/>
+            <a:ext cx="7401348" cy="5582951"/>
+          </a:xfrm>
+          <a:prstGeom prst="rect">
+            <a:avLst/>
+          </a:prstGeom>
+          <a:noFill/>
+          <a:ln>
+            <a:noFill/>
+          </a:ln>
+        </p:spPr>
+      </p:pic>
+    </p:spTree>
+  </p:cSld>
+  <p:clrMapOvr>
+    <a:masterClrMapping/>
+  </p:clrMapOvr>
+</p:sld>
+</file>
+
+<file path=ppt/slides/slide8.xml><?xml version="1.0" encoding="utf-8"?>
+<p:sld xmlns:a="http://schemas.openxmlformats.org/drawingml/2006/main" xmlns:r="http://schemas.openxmlformats.org/officeDocument/2006/relationships" xmlns:mc="http://schemas.openxmlformats.org/markup-compatibility/2006" xmlns:mv="urn:schemas-microsoft-com:mac:vml" xmlns:p="http://schemas.openxmlformats.org/presentationml/2006/main" xmlns:c="http://schemas.openxmlformats.org/drawingml/2006/chart" xmlns:dgm="http://schemas.openxmlformats.org/drawingml/2006/diagram" xmlns:o="urn:schemas-microsoft-com:office:office" xmlns:v="urn:schemas-microsoft-com:vml" xmlns:pvml="urn:schemas-microsoft-com:office:powerpoint" xmlns:com="http://schemas.openxmlformats.org/drawingml/2006/compatibility" xmlns:p14="http://schemas.microsoft.com/office/powerpoint/2010/main" xmlns:p15="http://schemas.microsoft.com/office/powerpoint/2012/main">
+  <p:cSld>
+    <p:spTree>
+      <p:nvGrpSpPr>
+        <p:cNvPr id="193" name="Shape 193"/>
+        <p:cNvGrpSpPr/>
+        <p:nvPr/>
+      </p:nvGrpSpPr>
+      <p:grpSpPr>
+        <a:xfrm>
+          <a:off x="0" y="0"/>
+          <a:ext cx="0" cy="0"/>
+          <a:chOff x="0" y="0"/>
+          <a:chExt cx="0" cy="0"/>
+        </a:xfrm>
+      </p:grpSpPr>
+      <p:sp>
+        <p:nvSpPr>
+          <p:cNvPr id="194" name="Google Shape;194;g74909c0039_1_256"/>
           <p:cNvSpPr txBox="1"/>
           <p:nvPr>
             <p:ph type="title"/>
@@ -18421,7 +19593,7 @@
             </a:pPr>
             <a:r>
               <a:rPr lang="en-US"/>
-              <a:t>UML DIAGRAM</a:t>
+              <a:t>WORK FLOW</a:t>
             </a:r>
             <a:endParaRPr/>
           </a:p>
@@ -18429,7 +19601,7 @@
       </p:sp>
       <p:sp>
         <p:nvSpPr>
-          <p:cNvPr id="175" name="Google Shape;175;g74909c0039_1_213"/>
+          <p:cNvPr id="195" name="Google Shape;195;g74909c0039_1_256"/>
           <p:cNvSpPr txBox="1"/>
           <p:nvPr>
             <p:ph idx="1" type="body"/>
@@ -18474,12 +19646,12 @@
 </p:sld>
 </file>
 
-<file path=ppt/slides/slide6.xml><?xml version="1.0" encoding="utf-8"?>
+<file path=ppt/slides/slide9.xml><?xml version="1.0" encoding="utf-8"?>
 <p:sld xmlns:a="http://schemas.openxmlformats.org/drawingml/2006/main" xmlns:r="http://schemas.openxmlformats.org/officeDocument/2006/relationships" xmlns:mc="http://schemas.openxmlformats.org/markup-compatibility/2006" xmlns:mv="urn:schemas-microsoft-com:mac:vml" xmlns:p="http://schemas.openxmlformats.org/presentationml/2006/main" xmlns:c="http://schemas.openxmlformats.org/drawingml/2006/chart" xmlns:dgm="http://schemas.openxmlformats.org/drawingml/2006/diagram" xmlns:o="urn:schemas-microsoft-com:office:office" xmlns:v="urn:schemas-microsoft-com:vml" xmlns:pvml="urn:schemas-microsoft-com:office:powerpoint" xmlns:com="http://schemas.openxmlformats.org/drawingml/2006/compatibility" xmlns:p14="http://schemas.microsoft.com/office/powerpoint/2010/main" xmlns:p15="http://schemas.microsoft.com/office/powerpoint/2012/main">
   <p:cSld>
     <p:spTree>
       <p:nvGrpSpPr>
-        <p:cNvPr id="179" name="Shape 179"/>
+        <p:cNvPr id="199" name="Shape 199"/>
         <p:cNvGrpSpPr/>
         <p:nvPr/>
       </p:nvGrpSpPr>
@@ -18493,7 +19665,7 @@
       </p:grpSpPr>
       <p:sp>
         <p:nvSpPr>
-          <p:cNvPr id="180" name="Google Shape;180;g74909c0039_1_256"/>
+          <p:cNvPr id="200" name="Google Shape;200;g74909c0039_1_276"/>
           <p:cNvSpPr txBox="1"/>
           <p:nvPr>
             <p:ph type="title"/>
@@ -18525,7 +19697,7 @@
             </a:pPr>
             <a:r>
               <a:rPr lang="en-US"/>
-              <a:t>WORK FLOW</a:t>
+              <a:t>ROLES</a:t>
             </a:r>
             <a:endParaRPr/>
           </a:p>
@@ -18533,7 +19705,7 @@
       </p:sp>
       <p:sp>
         <p:nvSpPr>
-          <p:cNvPr id="181" name="Google Shape;181;g74909c0039_1_256"/>
+          <p:cNvPr id="201" name="Google Shape;201;g74909c0039_1_276"/>
           <p:cNvSpPr txBox="1"/>
           <p:nvPr>
             <p:ph idx="1" type="body"/>
@@ -18554,121 +19726,104 @@
           </a:bodyPr>
           <a:lstStyle/>
           <a:p>
-            <a:pPr indent="0" lvl="0" marL="0" rtl="0" algn="l">
-              <a:spcBef>
-                <a:spcPts val="1000"/>
-              </a:spcBef>
-              <a:spcAft>
-                <a:spcPts val="0"/>
-              </a:spcAft>
-              <a:buNone/>
+            <a:pPr indent="-320040" lvl="0" marL="457200" rtl="0" algn="l">
+              <a:spcBef>
+                <a:spcPts val="1000"/>
+              </a:spcBef>
+              <a:spcAft>
+                <a:spcPts val="0"/>
+              </a:spcAft>
+              <a:buSzPts val="1440"/>
+              <a:buChar char="●"/>
             </a:pPr>
             <a:r>
-              <a:t/>
+              <a:rPr lang="en-US"/>
+              <a:t>DONOR: pledges and registers for organ donation</a:t>
             </a:r>
             <a:endParaRPr/>
           </a:p>
-        </p:txBody>
-      </p:sp>
-    </p:spTree>
-  </p:cSld>
-  <p:clrMapOvr>
-    <a:masterClrMapping/>
-  </p:clrMapOvr>
-</p:sld>
-</file>
-
-<file path=ppt/slides/slide7.xml><?xml version="1.0" encoding="utf-8"?>
-<p:sld xmlns:a="http://schemas.openxmlformats.org/drawingml/2006/main" xmlns:r="http://schemas.openxmlformats.org/officeDocument/2006/relationships" xmlns:mc="http://schemas.openxmlformats.org/markup-compatibility/2006" xmlns:mv="urn:schemas-microsoft-com:mac:vml" xmlns:p="http://schemas.openxmlformats.org/presentationml/2006/main" xmlns:c="http://schemas.openxmlformats.org/drawingml/2006/chart" xmlns:dgm="http://schemas.openxmlformats.org/drawingml/2006/diagram" xmlns:o="urn:schemas-microsoft-com:office:office" xmlns:v="urn:schemas-microsoft-com:vml" xmlns:pvml="urn:schemas-microsoft-com:office:powerpoint" xmlns:com="http://schemas.openxmlformats.org/drawingml/2006/compatibility" xmlns:p14="http://schemas.microsoft.com/office/powerpoint/2010/main" xmlns:p15="http://schemas.microsoft.com/office/powerpoint/2012/main">
-  <p:cSld>
-    <p:spTree>
-      <p:nvGrpSpPr>
-        <p:cNvPr id="185" name="Shape 185"/>
-        <p:cNvGrpSpPr/>
-        <p:nvPr/>
-      </p:nvGrpSpPr>
-      <p:grpSpPr>
-        <a:xfrm>
-          <a:off x="0" y="0"/>
-          <a:ext cx="0" cy="0"/>
-          <a:chOff x="0" y="0"/>
-          <a:chExt cx="0" cy="0"/>
-        </a:xfrm>
-      </p:grpSpPr>
-      <p:sp>
-        <p:nvSpPr>
-          <p:cNvPr id="186" name="Google Shape;186;g74909c0039_1_276"/>
-          <p:cNvSpPr txBox="1"/>
-          <p:nvPr>
-            <p:ph type="title"/>
-          </p:nvPr>
-        </p:nvSpPr>
-        <p:spPr>
-          <a:xfrm>
-            <a:off x="646111" y="452718"/>
-            <a:ext cx="9404700" cy="1400400"/>
-          </a:xfrm>
-          <a:prstGeom prst="rect">
-            <a:avLst/>
-          </a:prstGeom>
-        </p:spPr>
-        <p:txBody>
-          <a:bodyPr anchorCtr="0" anchor="t" bIns="45700" lIns="91425" spcFirstLastPara="1" rIns="91425" wrap="square" tIns="45700">
-            <a:noAutofit/>
-          </a:bodyPr>
-          <a:lstStyle/>
           <a:p>
-            <a:pPr indent="0" lvl="0" marL="0" rtl="0" algn="l">
-              <a:spcBef>
-                <a:spcPts val="0"/>
-              </a:spcBef>
-              <a:spcAft>
-                <a:spcPts val="0"/>
-              </a:spcAft>
-              <a:buNone/>
+            <a:pPr indent="-320040" lvl="0" marL="457200" rtl="0" algn="l">
+              <a:spcBef>
+                <a:spcPts val="0"/>
+              </a:spcBef>
+              <a:spcAft>
+                <a:spcPts val="0"/>
+              </a:spcAft>
+              <a:buSzPts val="1440"/>
+              <a:buChar char="●"/>
             </a:pPr>
             <a:r>
               <a:rPr lang="en-US"/>
-              <a:t>ROLES AND CAPABILITIES</a:t>
+              <a:t>DOCTOR: Add details of patient who need organ and make     request for organ</a:t>
             </a:r>
             <a:endParaRPr/>
           </a:p>
-        </p:txBody>
-      </p:sp>
-      <p:sp>
-        <p:nvSpPr>
-          <p:cNvPr id="187" name="Google Shape;187;g74909c0039_1_276"/>
-          <p:cNvSpPr txBox="1"/>
-          <p:nvPr>
-            <p:ph idx="1" type="body"/>
-          </p:nvPr>
-        </p:nvSpPr>
-        <p:spPr>
-          <a:xfrm>
-            <a:off x="1103312" y="2052918"/>
-            <a:ext cx="8946600" cy="4195500"/>
-          </a:xfrm>
-          <a:prstGeom prst="rect">
-            <a:avLst/>
-          </a:prstGeom>
-        </p:spPr>
-        <p:txBody>
-          <a:bodyPr anchorCtr="0" anchor="t" bIns="45700" lIns="91425" spcFirstLastPara="1" rIns="91425" wrap="square" tIns="45700">
-            <a:noAutofit/>
-          </a:bodyPr>
-          <a:lstStyle/>
           <a:p>
-            <a:pPr indent="0" lvl="0" marL="0" rtl="0" algn="l">
-              <a:spcBef>
-                <a:spcPts val="1000"/>
-              </a:spcBef>
-              <a:spcAft>
-                <a:spcPts val="0"/>
-              </a:spcAft>
-              <a:buNone/>
+            <a:pPr indent="-320040" lvl="0" marL="457200" rtl="0" algn="l">
+              <a:spcBef>
+                <a:spcPts val="0"/>
+              </a:spcBef>
+              <a:spcAft>
+                <a:spcPts val="0"/>
+              </a:spcAft>
+              <a:buSzPts val="1440"/>
+              <a:buChar char="●"/>
             </a:pPr>
             <a:r>
-              <a:t/>
+              <a:rPr lang="en-US"/>
+              <a:t>AUTHORISE PERSON : authorises the transplant, handles legality</a:t>
+            </a:r>
+            <a:endParaRPr/>
+          </a:p>
+          <a:p>
+            <a:pPr indent="-320040" lvl="0" marL="457200" rtl="0" algn="l">
+              <a:spcBef>
+                <a:spcPts val="0"/>
+              </a:spcBef>
+              <a:spcAft>
+                <a:spcPts val="0"/>
+              </a:spcAft>
+              <a:buSzPts val="1440"/>
+              <a:buChar char="●"/>
+            </a:pPr>
+            <a:r>
+              <a:rPr lang="en-US"/>
+              <a:t>ADMIN: responsible to handle all the process , who send request to organ procurement organization, handle transplant legality and delivery of organ</a:t>
+            </a:r>
+            <a:endParaRPr/>
+          </a:p>
+          <a:p>
+            <a:pPr indent="-320040" lvl="0" marL="457200" rtl="0" algn="l">
+              <a:spcBef>
+                <a:spcPts val="0"/>
+              </a:spcBef>
+              <a:spcAft>
+                <a:spcPts val="0"/>
+              </a:spcAft>
+              <a:buSzPts val="1440"/>
+              <a:buChar char="●"/>
+            </a:pPr>
+            <a:r>
+              <a:rPr lang="en-US"/>
+              <a:t>LAB ASSISTANCE: hs all donor vital signs and find perfect match for patient</a:t>
+            </a:r>
+            <a:endParaRPr/>
+          </a:p>
+          <a:p>
+            <a:pPr indent="-320040" lvl="0" marL="457200" rtl="0" algn="l">
+              <a:spcBef>
+                <a:spcPts val="0"/>
+              </a:spcBef>
+              <a:spcAft>
+                <a:spcPts val="0"/>
+              </a:spcAft>
+              <a:buSzPts val="1440"/>
+              <a:buChar char="●"/>
+            </a:pPr>
+            <a:r>
+              <a:rPr lang="en-US"/>
+              <a:t>DRIVER : will be responsible to deliver the organ</a:t>
             </a:r>
             <a:endParaRPr/>
           </a:p>
@@ -18683,6 +19838,285 @@
 </file>
 
 <file path=ppt/theme/theme1.xml><?xml version="1.0" encoding="utf-8"?>
+<a:theme xmlns:a="http://schemas.openxmlformats.org/drawingml/2006/main" xmlns:r="http://schemas.openxmlformats.org/officeDocument/2006/relationships" name="Ion">
+  <a:themeElements>
+    <a:clrScheme name="Ion">
+      <a:dk1>
+        <a:srgbClr val="000000"/>
+      </a:dk1>
+      <a:lt1>
+        <a:srgbClr val="FFFFFF"/>
+      </a:lt1>
+      <a:dk2>
+        <a:srgbClr val="1E5155"/>
+      </a:dk2>
+      <a:lt2>
+        <a:srgbClr val="EBEBEB"/>
+      </a:lt2>
+      <a:accent1>
+        <a:srgbClr val="B01513"/>
+      </a:accent1>
+      <a:accent2>
+        <a:srgbClr val="EA6312"/>
+      </a:accent2>
+      <a:accent3>
+        <a:srgbClr val="E6B729"/>
+      </a:accent3>
+      <a:accent4>
+        <a:srgbClr val="6AAC90"/>
+      </a:accent4>
+      <a:accent5>
+        <a:srgbClr val="54849A"/>
+      </a:accent5>
+      <a:accent6>
+        <a:srgbClr val="9E5E9B"/>
+      </a:accent6>
+      <a:hlink>
+        <a:srgbClr val="58C1BA"/>
+      </a:hlink>
+      <a:folHlink>
+        <a:srgbClr val="9DFFCB"/>
+      </a:folHlink>
+    </a:clrScheme>
+    <a:fontScheme name="Office">
+      <a:majorFont>
+        <a:latin typeface="Arial"/>
+        <a:ea typeface=""/>
+        <a:cs typeface=""/>
+        <a:font script="Jpan" typeface="ＭＳ Ｐゴシック"/>
+        <a:font script="Hang" typeface="맑은 고딕"/>
+        <a:font script="Hans" typeface="宋体"/>
+        <a:font script="Hant" typeface="新細明體"/>
+        <a:font script="Arab" typeface="Times New Roman"/>
+        <a:font script="Hebr" typeface="Times New Roman"/>
+        <a:font script="Thai" typeface="Angsana New"/>
+        <a:font script="Ethi" typeface="Nyala"/>
+        <a:font script="Beng" typeface="Vrinda"/>
+        <a:font script="Gujr" typeface="Shruti"/>
+        <a:font script="Khmr" typeface="MoolBoran"/>
+        <a:font script="Knda" typeface="Tunga"/>
+        <a:font script="Guru" typeface="Raavi"/>
+        <a:font script="Cans" typeface="Euphemia"/>
+        <a:font script="Cher" typeface="Plantagenet Cherokee"/>
+        <a:font script="Yiii" typeface="Microsoft Yi Baiti"/>
+        <a:font script="Tibt" typeface="Microsoft Himalaya"/>
+        <a:font script="Thaa" typeface="MV Boli"/>
+        <a:font script="Deva" typeface="Mangal"/>
+        <a:font script="Telu" typeface="Gautami"/>
+        <a:font script="Taml" typeface="Latha"/>
+        <a:font script="Syrc" typeface="Estrangelo Edessa"/>
+        <a:font script="Orya" typeface="Kalinga"/>
+        <a:font script="Mlym" typeface="Kartika"/>
+        <a:font script="Laoo" typeface="DokChampa"/>
+        <a:font script="Sinh" typeface="Iskoola Pota"/>
+        <a:font script="Mong" typeface="Mongolian Baiti"/>
+        <a:font script="Viet" typeface="Times New Roman"/>
+        <a:font script="Uigh" typeface="Microsoft Uighur"/>
+        <a:font script="Geor" typeface="Sylfaen"/>
+      </a:majorFont>
+      <a:minorFont>
+        <a:latin typeface="Arial"/>
+        <a:ea typeface=""/>
+        <a:cs typeface=""/>
+        <a:font script="Jpan" typeface="ＭＳ Ｐゴシック"/>
+        <a:font script="Hang" typeface="맑은 고딕"/>
+        <a:font script="Hans" typeface="宋体"/>
+        <a:font script="Hant" typeface="新細明體"/>
+        <a:font script="Arab" typeface="Arial"/>
+        <a:font script="Hebr" typeface="Arial"/>
+        <a:font script="Thai" typeface="Cordia New"/>
+        <a:font script="Ethi" typeface="Nyala"/>
+        <a:font script="Beng" typeface="Vrinda"/>
+        <a:font script="Gujr" typeface="Shruti"/>
+        <a:font script="Khmr" typeface="DaunPenh"/>
+        <a:font script="Knda" typeface="Tunga"/>
+        <a:font script="Guru" typeface="Raavi"/>
+        <a:font script="Cans" typeface="Euphemia"/>
+        <a:font script="Cher" typeface="Plantagenet Cherokee"/>
+        <a:font script="Yiii" typeface="Microsoft Yi Baiti"/>
+        <a:font script="Tibt" typeface="Microsoft Himalaya"/>
+        <a:font script="Thaa" typeface="MV Boli"/>
+        <a:font script="Deva" typeface="Mangal"/>
+        <a:font script="Telu" typeface="Gautami"/>
+        <a:font script="Taml" typeface="Latha"/>
+        <a:font script="Syrc" typeface="Estrangelo Edessa"/>
+        <a:font script="Orya" typeface="Kalinga"/>
+        <a:font script="Mlym" typeface="Kartika"/>
+        <a:font script="Laoo" typeface="DokChampa"/>
+        <a:font script="Sinh" typeface="Iskoola Pota"/>
+        <a:font script="Mong" typeface="Mongolian Baiti"/>
+        <a:font script="Viet" typeface="Arial"/>
+        <a:font script="Uigh" typeface="Microsoft Uighur"/>
+        <a:font script="Geor" typeface="Sylfaen"/>
+      </a:minorFont>
+    </a:fontScheme>
+    <a:fmtScheme name="Office">
+      <a:fillStyleLst>
+        <a:solidFill>
+          <a:schemeClr val="phClr"/>
+        </a:solidFill>
+        <a:gradFill rotWithShape="1">
+          <a:gsLst>
+            <a:gs pos="0">
+              <a:schemeClr val="phClr">
+                <a:tint val="50000"/>
+                <a:satMod val="300000"/>
+              </a:schemeClr>
+            </a:gs>
+            <a:gs pos="35000">
+              <a:schemeClr val="phClr">
+                <a:tint val="37000"/>
+                <a:satMod val="300000"/>
+              </a:schemeClr>
+            </a:gs>
+            <a:gs pos="100000">
+              <a:schemeClr val="phClr">
+                <a:tint val="15000"/>
+                <a:satMod val="350000"/>
+              </a:schemeClr>
+            </a:gs>
+          </a:gsLst>
+          <a:lin ang="16200000" scaled="1"/>
+        </a:gradFill>
+        <a:gradFill rotWithShape="1">
+          <a:gsLst>
+            <a:gs pos="0">
+              <a:schemeClr val="phClr">
+                <a:tint val="100000"/>
+                <a:shade val="100000"/>
+                <a:satMod val="130000"/>
+              </a:schemeClr>
+            </a:gs>
+            <a:gs pos="100000">
+              <a:schemeClr val="phClr">
+                <a:tint val="50000"/>
+                <a:shade val="100000"/>
+                <a:satMod val="350000"/>
+              </a:schemeClr>
+            </a:gs>
+          </a:gsLst>
+          <a:lin ang="16200000" scaled="0"/>
+        </a:gradFill>
+      </a:fillStyleLst>
+      <a:lnStyleLst>
+        <a:ln w="9525" cap="flat" cmpd="sng" algn="ctr">
+          <a:solidFill>
+            <a:schemeClr val="phClr">
+              <a:shade val="95000"/>
+              <a:satMod val="105000"/>
+            </a:schemeClr>
+          </a:solidFill>
+          <a:prstDash val="solid"/>
+        </a:ln>
+        <a:ln w="25400" cap="flat" cmpd="sng" algn="ctr">
+          <a:solidFill>
+            <a:schemeClr val="phClr"/>
+          </a:solidFill>
+          <a:prstDash val="solid"/>
+        </a:ln>
+        <a:ln w="38100" cap="flat" cmpd="sng" algn="ctr">
+          <a:solidFill>
+            <a:schemeClr val="phClr"/>
+          </a:solidFill>
+          <a:prstDash val="solid"/>
+        </a:ln>
+      </a:lnStyleLst>
+      <a:effectStyleLst>
+        <a:effectStyle>
+          <a:effectLst>
+            <a:outerShdw blurRad="40000" dist="20000" dir="5400000" rotWithShape="0">
+              <a:srgbClr val="000000">
+                <a:alpha val="38000"/>
+              </a:srgbClr>
+            </a:outerShdw>
+          </a:effectLst>
+        </a:effectStyle>
+        <a:effectStyle>
+          <a:effectLst>
+            <a:outerShdw blurRad="40000" dist="23000" dir="5400000" rotWithShape="0">
+              <a:srgbClr val="000000">
+                <a:alpha val="35000"/>
+              </a:srgbClr>
+            </a:outerShdw>
+          </a:effectLst>
+        </a:effectStyle>
+        <a:effectStyle>
+          <a:effectLst>
+            <a:outerShdw blurRad="40000" dist="23000" dir="5400000" rotWithShape="0">
+              <a:srgbClr val="000000">
+                <a:alpha val="35000"/>
+              </a:srgbClr>
+            </a:outerShdw>
+          </a:effectLst>
+          <a:scene3d>
+            <a:camera prst="orthographicFront">
+              <a:rot lat="0" lon="0" rev="0"/>
+            </a:camera>
+            <a:lightRig rig="threePt" dir="t">
+              <a:rot lat="0" lon="0" rev="1200000"/>
+            </a:lightRig>
+          </a:scene3d>
+          <a:sp3d>
+            <a:bevelT w="63500" h="25400"/>
+          </a:sp3d>
+        </a:effectStyle>
+      </a:effectStyleLst>
+      <a:bgFillStyleLst>
+        <a:solidFill>
+          <a:schemeClr val="phClr"/>
+        </a:solidFill>
+        <a:gradFill rotWithShape="1">
+          <a:gsLst>
+            <a:gs pos="0">
+              <a:schemeClr val="phClr">
+                <a:tint val="40000"/>
+                <a:satMod val="350000"/>
+              </a:schemeClr>
+            </a:gs>
+            <a:gs pos="40000">
+              <a:schemeClr val="phClr">
+                <a:tint val="45000"/>
+                <a:shade val="99000"/>
+                <a:satMod val="350000"/>
+              </a:schemeClr>
+            </a:gs>
+            <a:gs pos="100000">
+              <a:schemeClr val="phClr">
+                <a:shade val="20000"/>
+                <a:satMod val="255000"/>
+              </a:schemeClr>
+            </a:gs>
+          </a:gsLst>
+          <a:path path="circle">
+            <a:fillToRect l="50000" t="-80000" r="50000" b="180000"/>
+          </a:path>
+        </a:gradFill>
+        <a:gradFill rotWithShape="1">
+          <a:gsLst>
+            <a:gs pos="0">
+              <a:schemeClr val="phClr">
+                <a:tint val="80000"/>
+                <a:satMod val="300000"/>
+              </a:schemeClr>
+            </a:gs>
+            <a:gs pos="100000">
+              <a:schemeClr val="phClr">
+                <a:shade val="30000"/>
+                <a:satMod val="200000"/>
+              </a:schemeClr>
+            </a:gs>
+          </a:gsLst>
+          <a:path path="circle">
+            <a:fillToRect l="50000" t="50000" r="50000" b="50000"/>
+          </a:path>
+        </a:gradFill>
+      </a:bgFillStyleLst>
+    </a:fmtScheme>
+  </a:themeElements>
+</a:theme>
+</file>
+
+<file path=ppt/theme/theme2.xml><?xml version="1.0" encoding="utf-8"?>
 <a:theme xmlns:a="http://schemas.openxmlformats.org/drawingml/2006/main" xmlns:r="http://schemas.openxmlformats.org/officeDocument/2006/relationships">
   <a:themeElements>
     <a:clrScheme name="Default">
@@ -18959,283 +20393,4 @@
     </a:fmtScheme>
   </a:themeElements>
 </a:theme>
-</file>
-
-<file path=ppt/theme/theme2.xml><?xml version="1.0" encoding="utf-8"?>
-<a:theme xmlns:a="http://schemas.openxmlformats.org/drawingml/2006/main" xmlns:r="http://schemas.openxmlformats.org/officeDocument/2006/relationships" name="Ion">
-  <a:themeElements>
-    <a:clrScheme name="Ion">
-      <a:dk1>
-        <a:srgbClr val="000000"/>
-      </a:dk1>
-      <a:lt1>
-        <a:srgbClr val="FFFFFF"/>
-      </a:lt1>
-      <a:dk2>
-        <a:srgbClr val="1E5155"/>
-      </a:dk2>
-      <a:lt2>
-        <a:srgbClr val="EBEBEB"/>
-      </a:lt2>
-      <a:accent1>
-        <a:srgbClr val="B01513"/>
-      </a:accent1>
-      <a:accent2>
-        <a:srgbClr val="EA6312"/>
-      </a:accent2>
-      <a:accent3>
-        <a:srgbClr val="E6B729"/>
-      </a:accent3>
-      <a:accent4>
-        <a:srgbClr val="6AAC90"/>
-      </a:accent4>
-      <a:accent5>
-        <a:srgbClr val="54849A"/>
-      </a:accent5>
-      <a:accent6>
-        <a:srgbClr val="9E5E9B"/>
-      </a:accent6>
-      <a:hlink>
-        <a:srgbClr val="58C1BA"/>
-      </a:hlink>
-      <a:folHlink>
-        <a:srgbClr val="9DFFCB"/>
-      </a:folHlink>
-    </a:clrScheme>
-    <a:fontScheme name="Office">
-      <a:majorFont>
-        <a:latin typeface="Arial"/>
-        <a:ea typeface=""/>
-        <a:cs typeface=""/>
-        <a:font script="Jpan" typeface="ＭＳ Ｐゴシック"/>
-        <a:font script="Hang" typeface="맑은 고딕"/>
-        <a:font script="Hans" typeface="宋体"/>
-        <a:font script="Hant" typeface="新細明體"/>
-        <a:font script="Arab" typeface="Times New Roman"/>
-        <a:font script="Hebr" typeface="Times New Roman"/>
-        <a:font script="Thai" typeface="Angsana New"/>
-        <a:font script="Ethi" typeface="Nyala"/>
-        <a:font script="Beng" typeface="Vrinda"/>
-        <a:font script="Gujr" typeface="Shruti"/>
-        <a:font script="Khmr" typeface="MoolBoran"/>
-        <a:font script="Knda" typeface="Tunga"/>
-        <a:font script="Guru" typeface="Raavi"/>
-        <a:font script="Cans" typeface="Euphemia"/>
-        <a:font script="Cher" typeface="Plantagenet Cherokee"/>
-        <a:font script="Yiii" typeface="Microsoft Yi Baiti"/>
-        <a:font script="Tibt" typeface="Microsoft Himalaya"/>
-        <a:font script="Thaa" typeface="MV Boli"/>
-        <a:font script="Deva" typeface="Mangal"/>
-        <a:font script="Telu" typeface="Gautami"/>
-        <a:font script="Taml" typeface="Latha"/>
-        <a:font script="Syrc" typeface="Estrangelo Edessa"/>
-        <a:font script="Orya" typeface="Kalinga"/>
-        <a:font script="Mlym" typeface="Kartika"/>
-        <a:font script="Laoo" typeface="DokChampa"/>
-        <a:font script="Sinh" typeface="Iskoola Pota"/>
-        <a:font script="Mong" typeface="Mongolian Baiti"/>
-        <a:font script="Viet" typeface="Times New Roman"/>
-        <a:font script="Uigh" typeface="Microsoft Uighur"/>
-        <a:font script="Geor" typeface="Sylfaen"/>
-      </a:majorFont>
-      <a:minorFont>
-        <a:latin typeface="Arial"/>
-        <a:ea typeface=""/>
-        <a:cs typeface=""/>
-        <a:font script="Jpan" typeface="ＭＳ Ｐゴシック"/>
-        <a:font script="Hang" typeface="맑은 고딕"/>
-        <a:font script="Hans" typeface="宋体"/>
-        <a:font script="Hant" typeface="新細明體"/>
-        <a:font script="Arab" typeface="Arial"/>
-        <a:font script="Hebr" typeface="Arial"/>
-        <a:font script="Thai" typeface="Cordia New"/>
-        <a:font script="Ethi" typeface="Nyala"/>
-        <a:font script="Beng" typeface="Vrinda"/>
-        <a:font script="Gujr" typeface="Shruti"/>
-        <a:font script="Khmr" typeface="DaunPenh"/>
-        <a:font script="Knda" typeface="Tunga"/>
-        <a:font script="Guru" typeface="Raavi"/>
-        <a:font script="Cans" typeface="Euphemia"/>
-        <a:font script="Cher" typeface="Plantagenet Cherokee"/>
-        <a:font script="Yiii" typeface="Microsoft Yi Baiti"/>
-        <a:font script="Tibt" typeface="Microsoft Himalaya"/>
-        <a:font script="Thaa" typeface="MV Boli"/>
-        <a:font script="Deva" typeface="Mangal"/>
-        <a:font script="Telu" typeface="Gautami"/>
-        <a:font script="Taml" typeface="Latha"/>
-        <a:font script="Syrc" typeface="Estrangelo Edessa"/>
-        <a:font script="Orya" typeface="Kalinga"/>
-        <a:font script="Mlym" typeface="Kartika"/>
-        <a:font script="Laoo" typeface="DokChampa"/>
-        <a:font script="Sinh" typeface="Iskoola Pota"/>
-        <a:font script="Mong" typeface="Mongolian Baiti"/>
-        <a:font script="Viet" typeface="Arial"/>
-        <a:font script="Uigh" typeface="Microsoft Uighur"/>
-        <a:font script="Geor" typeface="Sylfaen"/>
-      </a:minorFont>
-    </a:fontScheme>
-    <a:fmtScheme name="Office">
-      <a:fillStyleLst>
-        <a:solidFill>
-          <a:schemeClr val="phClr"/>
-        </a:solidFill>
-        <a:gradFill rotWithShape="1">
-          <a:gsLst>
-            <a:gs pos="0">
-              <a:schemeClr val="phClr">
-                <a:tint val="50000"/>
-                <a:satMod val="300000"/>
-              </a:schemeClr>
-            </a:gs>
-            <a:gs pos="35000">
-              <a:schemeClr val="phClr">
-                <a:tint val="37000"/>
-                <a:satMod val="300000"/>
-              </a:schemeClr>
-            </a:gs>
-            <a:gs pos="100000">
-              <a:schemeClr val="phClr">
-                <a:tint val="15000"/>
-                <a:satMod val="350000"/>
-              </a:schemeClr>
-            </a:gs>
-          </a:gsLst>
-          <a:lin ang="16200000" scaled="1"/>
-        </a:gradFill>
-        <a:gradFill rotWithShape="1">
-          <a:gsLst>
-            <a:gs pos="0">
-              <a:schemeClr val="phClr">
-                <a:tint val="100000"/>
-                <a:shade val="100000"/>
-                <a:satMod val="130000"/>
-              </a:schemeClr>
-            </a:gs>
-            <a:gs pos="100000">
-              <a:schemeClr val="phClr">
-                <a:tint val="50000"/>
-                <a:shade val="100000"/>
-                <a:satMod val="350000"/>
-              </a:schemeClr>
-            </a:gs>
-          </a:gsLst>
-          <a:lin ang="16200000" scaled="0"/>
-        </a:gradFill>
-      </a:fillStyleLst>
-      <a:lnStyleLst>
-        <a:ln w="9525" cap="flat" cmpd="sng" algn="ctr">
-          <a:solidFill>
-            <a:schemeClr val="phClr">
-              <a:shade val="95000"/>
-              <a:satMod val="105000"/>
-            </a:schemeClr>
-          </a:solidFill>
-          <a:prstDash val="solid"/>
-        </a:ln>
-        <a:ln w="25400" cap="flat" cmpd="sng" algn="ctr">
-          <a:solidFill>
-            <a:schemeClr val="phClr"/>
-          </a:solidFill>
-          <a:prstDash val="solid"/>
-        </a:ln>
-        <a:ln w="38100" cap="flat" cmpd="sng" algn="ctr">
-          <a:solidFill>
-            <a:schemeClr val="phClr"/>
-          </a:solidFill>
-          <a:prstDash val="solid"/>
-        </a:ln>
-      </a:lnStyleLst>
-      <a:effectStyleLst>
-        <a:effectStyle>
-          <a:effectLst>
-            <a:outerShdw blurRad="40000" dist="20000" dir="5400000" rotWithShape="0">
-              <a:srgbClr val="000000">
-                <a:alpha val="38000"/>
-              </a:srgbClr>
-            </a:outerShdw>
-          </a:effectLst>
-        </a:effectStyle>
-        <a:effectStyle>
-          <a:effectLst>
-            <a:outerShdw blurRad="40000" dist="23000" dir="5400000" rotWithShape="0">
-              <a:srgbClr val="000000">
-                <a:alpha val="35000"/>
-              </a:srgbClr>
-            </a:outerShdw>
-          </a:effectLst>
-        </a:effectStyle>
-        <a:effectStyle>
-          <a:effectLst>
-            <a:outerShdw blurRad="40000" dist="23000" dir="5400000" rotWithShape="0">
-              <a:srgbClr val="000000">
-                <a:alpha val="35000"/>
-              </a:srgbClr>
-            </a:outerShdw>
-          </a:effectLst>
-          <a:scene3d>
-            <a:camera prst="orthographicFront">
-              <a:rot lat="0" lon="0" rev="0"/>
-            </a:camera>
-            <a:lightRig rig="threePt" dir="t">
-              <a:rot lat="0" lon="0" rev="1200000"/>
-            </a:lightRig>
-          </a:scene3d>
-          <a:sp3d>
-            <a:bevelT w="63500" h="25400"/>
-          </a:sp3d>
-        </a:effectStyle>
-      </a:effectStyleLst>
-      <a:bgFillStyleLst>
-        <a:solidFill>
-          <a:schemeClr val="phClr"/>
-        </a:solidFill>
-        <a:gradFill rotWithShape="1">
-          <a:gsLst>
-            <a:gs pos="0">
-              <a:schemeClr val="phClr">
-                <a:tint val="40000"/>
-                <a:satMod val="350000"/>
-              </a:schemeClr>
-            </a:gs>
-            <a:gs pos="40000">
-              <a:schemeClr val="phClr">
-                <a:tint val="45000"/>
-                <a:shade val="99000"/>
-                <a:satMod val="350000"/>
-              </a:schemeClr>
-            </a:gs>
-            <a:gs pos="100000">
-              <a:schemeClr val="phClr">
-                <a:shade val="20000"/>
-                <a:satMod val="255000"/>
-              </a:schemeClr>
-            </a:gs>
-          </a:gsLst>
-          <a:path path="circle">
-            <a:fillToRect l="50000" t="-80000" r="50000" b="180000"/>
-          </a:path>
-        </a:gradFill>
-        <a:gradFill rotWithShape="1">
-          <a:gsLst>
-            <a:gs pos="0">
-              <a:schemeClr val="phClr">
-                <a:tint val="80000"/>
-                <a:satMod val="300000"/>
-              </a:schemeClr>
-            </a:gs>
-            <a:gs pos="100000">
-              <a:schemeClr val="phClr">
-                <a:shade val="30000"/>
-                <a:satMod val="200000"/>
-              </a:schemeClr>
-            </a:gs>
-          </a:gsLst>
-          <a:path path="circle">
-            <a:fillToRect l="50000" t="50000" r="50000" b="50000"/>
-          </a:path>
-        </a:gradFill>
-      </a:bgFillStyleLst>
-    </a:fmtScheme>
-  </a:themeElements>
-</a:theme>
 </file>